--- a/Fuzzy rendszerek - prezentáció - Juraj Lukovics.pptx
+++ b/Fuzzy rendszerek - prezentáció - Juraj Lukovics.pptx
@@ -5,7 +5,7 @@
     <p:sldMasterId id="2147483648" r:id="rId1"/>
   </p:sldMasterIdLst>
   <p:notesMasterIdLst>
-    <p:notesMasterId r:id="rId16"/>
+    <p:notesMasterId r:id="rId18"/>
   </p:notesMasterIdLst>
   <p:sldIdLst>
     <p:sldId id="256" r:id="rId4"/>
@@ -20,6 +20,8 @@
     <p:sldId id="265" r:id="rId13"/>
     <p:sldId id="266" r:id="rId14"/>
     <p:sldId id="267" r:id="rId15"/>
+    <p:sldId id="268" r:id="rId16"/>
+    <p:sldId id="269" r:id="rId17"/>
   </p:sldIdLst>
   <p:sldSz cx="12192000" cy="6858000"/>
   <p:notesSz cx="6858000" cy="9144000"/>
@@ -145,7 +147,7 @@
       </p:grpSpPr>
       <p:sp>
         <p:nvSpPr>
-          <p:cNvPr id="2" name="Header Placeholder 1"/>
+          <p:cNvPr id="1001781932" name="Header Placeholder 1"/>
           <p:cNvSpPr>
             <a:spLocks noGrp="1"/>
           </p:cNvSpPr>
@@ -179,7 +181,7 @@
       </p:sp>
       <p:sp>
         <p:nvSpPr>
-          <p:cNvPr id="3" name="Date Placeholder 2"/>
+          <p:cNvPr id="278379054" name="Date Placeholder 2"/>
           <p:cNvSpPr>
             <a:spLocks noGrp="1"/>
           </p:cNvSpPr>
@@ -213,7 +215,7 @@
       </p:sp>
       <p:sp>
         <p:nvSpPr>
-          <p:cNvPr id="3" name="Date Placeholder 2"/>
+          <p:cNvPr id="1315647834" name="Date Placeholder 2"/>
           <p:cNvSpPr>
             <a:spLocks noGrp="1"/>
           </p:cNvSpPr>
@@ -247,7 +249,7 @@
       </p:sp>
       <p:sp>
         <p:nvSpPr>
-          <p:cNvPr id="5" name="Notes Placeholder 4"/>
+          <p:cNvPr id="1930522575" name="Notes Placeholder 4"/>
           <p:cNvSpPr>
             <a:spLocks noGrp="1"/>
           </p:cNvSpPr>
@@ -277,7 +279,7 @@
       </p:sp>
       <p:sp>
         <p:nvSpPr>
-          <p:cNvPr id="6" name="Footer Placeholder 5"/>
+          <p:cNvPr id="1417157128" name="Footer Placeholder 5"/>
           <p:cNvSpPr>
             <a:spLocks noGrp="1"/>
           </p:cNvSpPr>
@@ -311,7 +313,7 @@
       </p:sp>
       <p:sp>
         <p:nvSpPr>
-          <p:cNvPr id="7" name="Slide Number Placeholder 6"/>
+          <p:cNvPr id="1499510702" name="Slide Number Placeholder 6"/>
           <p:cNvSpPr>
             <a:spLocks noGrp="1"/>
           </p:cNvSpPr>
@@ -460,7 +462,7 @@
       </p:grpSpPr>
       <p:sp>
         <p:nvSpPr>
-          <p:cNvPr id="2" name="Slide Image Placeholder 1"/>
+          <p:cNvPr id="236318563" name="Slide Image Placeholder 1"/>
           <p:cNvSpPr>
             <a:spLocks noChangeAspect="1" noGrp="1" noRot="1"/>
           </p:cNvSpPr>
@@ -472,7 +474,7 @@
       </p:sp>
       <p:sp>
         <p:nvSpPr>
-          <p:cNvPr id="3" name="Notes Placeholder 2"/>
+          <p:cNvPr id="958831180" name="Notes Placeholder 2"/>
           <p:cNvSpPr>
             <a:spLocks noGrp="1"/>
           </p:cNvSpPr>
@@ -494,7 +496,7 @@
       </p:sp>
       <p:sp>
         <p:nvSpPr>
-          <p:cNvPr id="4" name="Slide Number Placeholder 3"/>
+          <p:cNvPr id="1211857440" name="Slide Number Placeholder 3"/>
           <p:cNvSpPr>
             <a:spLocks noGrp="1"/>
           </p:cNvSpPr>
@@ -545,7 +547,7 @@
       </p:grpSpPr>
       <p:sp>
         <p:nvSpPr>
-          <p:cNvPr id="2" name="Slide Image Placeholder 1"/>
+          <p:cNvPr id="207679878" name="Slide Image Placeholder 1"/>
           <p:cNvSpPr>
             <a:spLocks noChangeAspect="1" noGrp="1" noRot="1"/>
           </p:cNvSpPr>
@@ -557,7 +559,7 @@
       </p:sp>
       <p:sp>
         <p:nvSpPr>
-          <p:cNvPr id="3" name="Notes Placeholder 2"/>
+          <p:cNvPr id="1923788762" name="Notes Placeholder 2"/>
           <p:cNvSpPr>
             <a:spLocks noGrp="1"/>
           </p:cNvSpPr>
@@ -579,7 +581,7 @@
       </p:sp>
       <p:sp>
         <p:nvSpPr>
-          <p:cNvPr id="4" name="Slide Number Placeholder 3"/>
+          <p:cNvPr id="450105358" name="Slide Number Placeholder 3"/>
           <p:cNvSpPr>
             <a:spLocks noGrp="1"/>
           </p:cNvSpPr>
@@ -630,7 +632,7 @@
       </p:grpSpPr>
       <p:sp>
         <p:nvSpPr>
-          <p:cNvPr id="2" name="Slide Image Placeholder 1"/>
+          <p:cNvPr id="2019987289" name="Slide Image Placeholder 1"/>
           <p:cNvSpPr>
             <a:spLocks noChangeAspect="1" noGrp="1" noRot="1"/>
           </p:cNvSpPr>
@@ -642,7 +644,7 @@
       </p:sp>
       <p:sp>
         <p:nvSpPr>
-          <p:cNvPr id="3" name="Notes Placeholder 2"/>
+          <p:cNvPr id="1697113231" name="Notes Placeholder 2"/>
           <p:cNvSpPr>
             <a:spLocks noGrp="1"/>
           </p:cNvSpPr>
@@ -664,7 +666,7 @@
       </p:sp>
       <p:sp>
         <p:nvSpPr>
-          <p:cNvPr id="4" name="Slide Number Placeholder 3"/>
+          <p:cNvPr id="998654754" name="Slide Number Placeholder 3"/>
           <p:cNvSpPr>
             <a:spLocks noGrp="1"/>
           </p:cNvSpPr>
@@ -765,6 +767,176 @@
             <a:pPr>
               <a:defRPr/>
             </a:pPr>
+            <a:fld id="{40297163-EFB7-ADBF-7869-FF65BE138590}" type="slidenum">
+              <a:rPr/>
+              <a:t/>
+            </a:fld>
+            <a:endParaRPr/>
+          </a:p>
+        </p:txBody>
+      </p:sp>
+    </p:spTree>
+  </p:cSld>
+  <p:clrMapOvr>
+    <a:masterClrMapping/>
+  </p:clrMapOvr>
+</p:notes>
+</file>
+
+<file path=ppt/notesSlides/notesSlide13.xml><?xml version="1.0" encoding="utf-8"?>
+<p:notes xmlns:a="http://schemas.openxmlformats.org/drawingml/2006/main" xmlns:r="http://schemas.openxmlformats.org/officeDocument/2006/relationships" xmlns:p="http://schemas.openxmlformats.org/presentationml/2006/main" xmlns:m="http://schemas.openxmlformats.org/officeDocument/2006/math" xmlns:w="http://schemas.openxmlformats.org/wordprocessingml/2006/main">
+  <p:cSld name="">
+    <p:spTree>
+      <p:nvGrpSpPr>
+        <p:cNvPr id="1" name=""/>
+        <p:cNvGrpSpPr/>
+        <p:nvPr/>
+      </p:nvGrpSpPr>
+      <p:grpSpPr bwMode="auto">
+        <a:xfrm>
+          <a:off x="0" y="0"/>
+          <a:ext cx="0" cy="0"/>
+          <a:chOff x="0" y="0"/>
+          <a:chExt cx="0" cy="0"/>
+        </a:xfrm>
+      </p:grpSpPr>
+      <p:sp>
+        <p:nvSpPr>
+          <p:cNvPr id="2" name="Slide Image Placeholder 1"/>
+          <p:cNvSpPr>
+            <a:spLocks noChangeAspect="1" noGrp="1" noRot="1"/>
+          </p:cNvSpPr>
+          <p:nvPr>
+            <p:ph type="sldImg"/>
+          </p:nvPr>
+        </p:nvSpPr>
+        <p:spPr bwMode="auto"/>
+      </p:sp>
+      <p:sp>
+        <p:nvSpPr>
+          <p:cNvPr id="3" name="Notes Placeholder 2"/>
+          <p:cNvSpPr>
+            <a:spLocks noGrp="1"/>
+          </p:cNvSpPr>
+          <p:nvPr>
+            <p:ph type="body" idx="1"/>
+          </p:nvPr>
+        </p:nvSpPr>
+        <p:spPr bwMode="auto"/>
+        <p:txBody>
+          <a:bodyPr/>
+          <a:lstStyle/>
+          <a:p>
+            <a:pPr>
+              <a:defRPr/>
+            </a:pPr>
+            <a:endParaRPr/>
+          </a:p>
+        </p:txBody>
+      </p:sp>
+      <p:sp>
+        <p:nvSpPr>
+          <p:cNvPr id="4" name="Slide Number Placeholder 3"/>
+          <p:cNvSpPr>
+            <a:spLocks noGrp="1"/>
+          </p:cNvSpPr>
+          <p:nvPr>
+            <p:ph type="sldNum" sz="quarter" idx="10"/>
+          </p:nvPr>
+        </p:nvSpPr>
+        <p:spPr bwMode="auto"/>
+        <p:txBody>
+          <a:bodyPr/>
+          <a:lstStyle/>
+          <a:p>
+            <a:pPr>
+              <a:defRPr/>
+            </a:pPr>
+            <a:fld id="{36AD13D5-8F08-664A-FA24-4FFFE0347777}" type="slidenum">
+              <a:rPr/>
+              <a:t/>
+            </a:fld>
+            <a:endParaRPr/>
+          </a:p>
+        </p:txBody>
+      </p:sp>
+    </p:spTree>
+  </p:cSld>
+  <p:clrMapOvr>
+    <a:masterClrMapping/>
+  </p:clrMapOvr>
+</p:notes>
+</file>
+
+<file path=ppt/notesSlides/notesSlide14.xml><?xml version="1.0" encoding="utf-8"?>
+<p:notes xmlns:a="http://schemas.openxmlformats.org/drawingml/2006/main" xmlns:r="http://schemas.openxmlformats.org/officeDocument/2006/relationships" xmlns:p="http://schemas.openxmlformats.org/presentationml/2006/main" xmlns:m="http://schemas.openxmlformats.org/officeDocument/2006/math" xmlns:w="http://schemas.openxmlformats.org/wordprocessingml/2006/main">
+  <p:cSld name="">
+    <p:spTree>
+      <p:nvGrpSpPr>
+        <p:cNvPr id="1" name=""/>
+        <p:cNvGrpSpPr/>
+        <p:nvPr/>
+      </p:nvGrpSpPr>
+      <p:grpSpPr bwMode="auto">
+        <a:xfrm>
+          <a:off x="0" y="0"/>
+          <a:ext cx="0" cy="0"/>
+          <a:chOff x="0" y="0"/>
+          <a:chExt cx="0" cy="0"/>
+        </a:xfrm>
+      </p:grpSpPr>
+      <p:sp>
+        <p:nvSpPr>
+          <p:cNvPr id="453909915" name="Slide Image Placeholder 1"/>
+          <p:cNvSpPr>
+            <a:spLocks noChangeAspect="1" noGrp="1" noRot="1"/>
+          </p:cNvSpPr>
+          <p:nvPr>
+            <p:ph type="sldImg"/>
+          </p:nvPr>
+        </p:nvSpPr>
+        <p:spPr bwMode="auto"/>
+      </p:sp>
+      <p:sp>
+        <p:nvSpPr>
+          <p:cNvPr id="804990277" name="Notes Placeholder 2"/>
+          <p:cNvSpPr>
+            <a:spLocks noGrp="1"/>
+          </p:cNvSpPr>
+          <p:nvPr>
+            <p:ph type="body" idx="1"/>
+          </p:nvPr>
+        </p:nvSpPr>
+        <p:spPr bwMode="auto"/>
+        <p:txBody>
+          <a:bodyPr/>
+          <a:lstStyle/>
+          <a:p>
+            <a:pPr>
+              <a:defRPr/>
+            </a:pPr>
+            <a:endParaRPr/>
+          </a:p>
+        </p:txBody>
+      </p:sp>
+      <p:sp>
+        <p:nvSpPr>
+          <p:cNvPr id="1692599901" name="Slide Number Placeholder 3"/>
+          <p:cNvSpPr>
+            <a:spLocks noGrp="1"/>
+          </p:cNvSpPr>
+          <p:nvPr>
+            <p:ph type="sldNum" sz="quarter" idx="10"/>
+          </p:nvPr>
+        </p:nvSpPr>
+        <p:spPr bwMode="auto"/>
+        <p:txBody>
+          <a:bodyPr/>
+          <a:lstStyle/>
+          <a:p>
+            <a:pPr>
+              <a:defRPr/>
+            </a:pPr>
             <a:fld id="{02FCBAC4-5C9E-D043-7D96-B840F29458C4}" type="slidenum">
               <a:rPr/>
               <a:t/>
@@ -800,7 +972,7 @@
       </p:grpSpPr>
       <p:sp>
         <p:nvSpPr>
-          <p:cNvPr id="2" name="Slide Image Placeholder 1"/>
+          <p:cNvPr id="1838430044" name="Slide Image Placeholder 1"/>
           <p:cNvSpPr>
             <a:spLocks noChangeAspect="1" noGrp="1" noRot="1"/>
           </p:cNvSpPr>
@@ -812,7 +984,7 @@
       </p:sp>
       <p:sp>
         <p:nvSpPr>
-          <p:cNvPr id="3" name="Notes Placeholder 2"/>
+          <p:cNvPr id="524177165" name="Notes Placeholder 2"/>
           <p:cNvSpPr>
             <a:spLocks noGrp="1"/>
           </p:cNvSpPr>
@@ -834,7 +1006,7 @@
       </p:sp>
       <p:sp>
         <p:nvSpPr>
-          <p:cNvPr id="4" name="Slide Number Placeholder 3"/>
+          <p:cNvPr id="232514335" name="Slide Number Placeholder 3"/>
           <p:cNvSpPr>
             <a:spLocks noGrp="1"/>
           </p:cNvSpPr>
@@ -885,7 +1057,7 @@
       </p:grpSpPr>
       <p:sp>
         <p:nvSpPr>
-          <p:cNvPr id="2" name="Slide Image Placeholder 1"/>
+          <p:cNvPr id="98464527" name="Slide Image Placeholder 1"/>
           <p:cNvSpPr>
             <a:spLocks noChangeAspect="1" noGrp="1" noRot="1"/>
           </p:cNvSpPr>
@@ -897,7 +1069,7 @@
       </p:sp>
       <p:sp>
         <p:nvSpPr>
-          <p:cNvPr id="3" name="Notes Placeholder 2"/>
+          <p:cNvPr id="531563451" name="Notes Placeholder 2"/>
           <p:cNvSpPr>
             <a:spLocks noGrp="1"/>
           </p:cNvSpPr>
@@ -919,7 +1091,7 @@
       </p:sp>
       <p:sp>
         <p:nvSpPr>
-          <p:cNvPr id="4" name="Slide Number Placeholder 3"/>
+          <p:cNvPr id="660008998" name="Slide Number Placeholder 3"/>
           <p:cNvSpPr>
             <a:spLocks noGrp="1"/>
           </p:cNvSpPr>
@@ -970,7 +1142,7 @@
       </p:grpSpPr>
       <p:sp>
         <p:nvSpPr>
-          <p:cNvPr id="2" name="Slide Image Placeholder 1"/>
+          <p:cNvPr id="1882309155" name="Slide Image Placeholder 1"/>
           <p:cNvSpPr>
             <a:spLocks noChangeAspect="1" noGrp="1" noRot="1"/>
           </p:cNvSpPr>
@@ -982,7 +1154,7 @@
       </p:sp>
       <p:sp>
         <p:nvSpPr>
-          <p:cNvPr id="3" name="Notes Placeholder 2"/>
+          <p:cNvPr id="1288034009" name="Notes Placeholder 2"/>
           <p:cNvSpPr>
             <a:spLocks noGrp="1"/>
           </p:cNvSpPr>
@@ -1004,7 +1176,7 @@
       </p:sp>
       <p:sp>
         <p:nvSpPr>
-          <p:cNvPr id="4" name="Slide Number Placeholder 3"/>
+          <p:cNvPr id="1833854013" name="Slide Number Placeholder 3"/>
           <p:cNvSpPr>
             <a:spLocks noGrp="1"/>
           </p:cNvSpPr>
@@ -1055,7 +1227,7 @@
       </p:grpSpPr>
       <p:sp>
         <p:nvSpPr>
-          <p:cNvPr id="2" name="Slide Image Placeholder 1"/>
+          <p:cNvPr id="398879820" name="Slide Image Placeholder 1"/>
           <p:cNvSpPr>
             <a:spLocks noChangeAspect="1" noGrp="1" noRot="1"/>
           </p:cNvSpPr>
@@ -1067,7 +1239,7 @@
       </p:sp>
       <p:sp>
         <p:nvSpPr>
-          <p:cNvPr id="3" name="Notes Placeholder 2"/>
+          <p:cNvPr id="1406953818" name="Notes Placeholder 2"/>
           <p:cNvSpPr>
             <a:spLocks noGrp="1"/>
           </p:cNvSpPr>
@@ -1089,7 +1261,7 @@
       </p:sp>
       <p:sp>
         <p:nvSpPr>
-          <p:cNvPr id="4" name="Slide Number Placeholder 3"/>
+          <p:cNvPr id="1325981018" name="Slide Number Placeholder 3"/>
           <p:cNvSpPr>
             <a:spLocks noGrp="1"/>
           </p:cNvSpPr>
@@ -1140,7 +1312,7 @@
       </p:grpSpPr>
       <p:sp>
         <p:nvSpPr>
-          <p:cNvPr id="2" name="Slide Image Placeholder 1"/>
+          <p:cNvPr id="1453799981" name="Slide Image Placeholder 1"/>
           <p:cNvSpPr>
             <a:spLocks noChangeAspect="1" noGrp="1" noRot="1"/>
           </p:cNvSpPr>
@@ -1152,7 +1324,7 @@
       </p:sp>
       <p:sp>
         <p:nvSpPr>
-          <p:cNvPr id="3" name="Notes Placeholder 2"/>
+          <p:cNvPr id="1582906006" name="Notes Placeholder 2"/>
           <p:cNvSpPr>
             <a:spLocks noGrp="1"/>
           </p:cNvSpPr>
@@ -1174,7 +1346,7 @@
       </p:sp>
       <p:sp>
         <p:nvSpPr>
-          <p:cNvPr id="4" name="Slide Number Placeholder 3"/>
+          <p:cNvPr id="1259124667" name="Slide Number Placeholder 3"/>
           <p:cNvSpPr>
             <a:spLocks noGrp="1"/>
           </p:cNvSpPr>
@@ -1225,7 +1397,7 @@
       </p:grpSpPr>
       <p:sp>
         <p:nvSpPr>
-          <p:cNvPr id="2" name="Slide Image Placeholder 1"/>
+          <p:cNvPr id="390092835" name="Slide Image Placeholder 1"/>
           <p:cNvSpPr>
             <a:spLocks noChangeAspect="1" noGrp="1" noRot="1"/>
           </p:cNvSpPr>
@@ -1237,7 +1409,7 @@
       </p:sp>
       <p:sp>
         <p:nvSpPr>
-          <p:cNvPr id="3" name="Notes Placeholder 2"/>
+          <p:cNvPr id="1639879963" name="Notes Placeholder 2"/>
           <p:cNvSpPr>
             <a:spLocks noGrp="1"/>
           </p:cNvSpPr>
@@ -1259,7 +1431,7 @@
       </p:sp>
       <p:sp>
         <p:nvSpPr>
-          <p:cNvPr id="4" name="Slide Number Placeholder 3"/>
+          <p:cNvPr id="1920127285" name="Slide Number Placeholder 3"/>
           <p:cNvSpPr>
             <a:spLocks noGrp="1"/>
           </p:cNvSpPr>
@@ -1310,7 +1482,7 @@
       </p:grpSpPr>
       <p:sp>
         <p:nvSpPr>
-          <p:cNvPr id="2" name="Slide Image Placeholder 1"/>
+          <p:cNvPr id="1598620149" name="Slide Image Placeholder 1"/>
           <p:cNvSpPr>
             <a:spLocks noChangeAspect="1" noGrp="1" noRot="1"/>
           </p:cNvSpPr>
@@ -1322,7 +1494,7 @@
       </p:sp>
       <p:sp>
         <p:nvSpPr>
-          <p:cNvPr id="3" name="Notes Placeholder 2"/>
+          <p:cNvPr id="2057941576" name="Notes Placeholder 2"/>
           <p:cNvSpPr>
             <a:spLocks noGrp="1"/>
           </p:cNvSpPr>
@@ -1344,7 +1516,7 @@
       </p:sp>
       <p:sp>
         <p:nvSpPr>
-          <p:cNvPr id="4" name="Slide Number Placeholder 3"/>
+          <p:cNvPr id="1541590533" name="Slide Number Placeholder 3"/>
           <p:cNvSpPr>
             <a:spLocks noGrp="1"/>
           </p:cNvSpPr>
@@ -1395,7 +1567,7 @@
       </p:grpSpPr>
       <p:sp>
         <p:nvSpPr>
-          <p:cNvPr id="2" name="Slide Image Placeholder 1"/>
+          <p:cNvPr id="2000640426" name="Slide Image Placeholder 1"/>
           <p:cNvSpPr>
             <a:spLocks noChangeAspect="1" noGrp="1" noRot="1"/>
           </p:cNvSpPr>
@@ -1407,7 +1579,7 @@
       </p:sp>
       <p:sp>
         <p:nvSpPr>
-          <p:cNvPr id="3" name="Notes Placeholder 2"/>
+          <p:cNvPr id="342855645" name="Notes Placeholder 2"/>
           <p:cNvSpPr>
             <a:spLocks noGrp="1"/>
           </p:cNvSpPr>
@@ -1429,7 +1601,7 @@
       </p:sp>
       <p:sp>
         <p:nvSpPr>
-          <p:cNvPr id="4" name="Slide Number Placeholder 3"/>
+          <p:cNvPr id="716330701" name="Slide Number Placeholder 3"/>
           <p:cNvSpPr>
             <a:spLocks noGrp="1"/>
           </p:cNvSpPr>
@@ -1480,7 +1652,7 @@
       </p:grpSpPr>
       <p:sp>
         <p:nvSpPr>
-          <p:cNvPr id="2115587627" name="Shape 1058"/>
+          <p:cNvPr id="2091073016" name="Shape 1058"/>
           <p:cNvSpPr>
             <a:spLocks noChangeArrowheads="1" noGrp="1"/>
           </p:cNvSpPr>
@@ -1489,7 +1661,7 @@
         <p:spPr bwMode="auto">
           <a:xfrm>
             <a:off x="8220990" y="1"/>
-            <a:ext cx="3971006" cy="6857460"/>
+            <a:ext cx="3971005" cy="6857460"/>
           </a:xfrm>
           <a:custGeom>
             <a:avLst/>
@@ -1571,7 +1743,7 @@
       </p:sp>
       <p:sp>
         <p:nvSpPr>
-          <p:cNvPr id="869665938" name="Shape 1102"/>
+          <p:cNvPr id="1483926488" name="Shape 1102"/>
           <p:cNvSpPr>
             <a:spLocks noChangeArrowheads="1" noGrp="1"/>
           </p:cNvSpPr>
@@ -1620,7 +1792,7 @@
       </p:sp>
       <p:sp>
         <p:nvSpPr>
-          <p:cNvPr id="1090632847" name="Text Placeholder 4"/>
+          <p:cNvPr id="2113187006" name="Text Placeholder 4"/>
           <p:cNvSpPr>
             <a:spLocks noGrp="1"/>
           </p:cNvSpPr>
@@ -1668,7 +1840,7 @@
       </p:sp>
       <p:sp>
         <p:nvSpPr>
-          <p:cNvPr id="1983900707" name="Title 1"/>
+          <p:cNvPr id="1656764995" name="Title 1"/>
           <p:cNvSpPr>
             <a:spLocks noGrp="1"/>
           </p:cNvSpPr>
@@ -1703,7 +1875,7 @@
       </p:sp>
       <p:sp>
         <p:nvSpPr>
-          <p:cNvPr id="919558993" name="Date Placeholder 10"/>
+          <p:cNvPr id="914974854" name="Date Placeholder 10"/>
           <p:cNvSpPr>
             <a:spLocks noGrp="1"/>
           </p:cNvSpPr>
@@ -1729,7 +1901,7 @@
       </p:sp>
       <p:sp>
         <p:nvSpPr>
-          <p:cNvPr id="18765644" name="Footer Placeholder 11"/>
+          <p:cNvPr id="1779015824" name="Footer Placeholder 11"/>
           <p:cNvSpPr>
             <a:spLocks noGrp="1"/>
           </p:cNvSpPr>
@@ -1751,7 +1923,7 @@
       </p:sp>
       <p:sp>
         <p:nvSpPr>
-          <p:cNvPr id="361705358" name="Slide Number Placeholder 12"/>
+          <p:cNvPr id="599580660" name="Slide Number Placeholder 12"/>
           <p:cNvSpPr>
             <a:spLocks noGrp="1"/>
           </p:cNvSpPr>
@@ -1802,7 +1974,7 @@
       </p:grpSpPr>
       <p:sp>
         <p:nvSpPr>
-          <p:cNvPr id="54482811" name="Title 1"/>
+          <p:cNvPr id="1100782331" name="Title 1"/>
           <p:cNvSpPr>
             <a:spLocks noGrp="1"/>
           </p:cNvSpPr>
@@ -1828,7 +2000,7 @@
       </p:sp>
       <p:sp>
         <p:nvSpPr>
-          <p:cNvPr id="1811408951" name="Vertical Text Placeholder 2"/>
+          <p:cNvPr id="1068525958" name="Vertical Text Placeholder 2"/>
           <p:cNvSpPr>
             <a:spLocks noGrp="1"/>
           </p:cNvSpPr>
@@ -1894,7 +2066,7 @@
       </p:sp>
       <p:sp>
         <p:nvSpPr>
-          <p:cNvPr id="1218852557" name="Date Placeholder 3"/>
+          <p:cNvPr id="2136988201" name="Date Placeholder 3"/>
           <p:cNvSpPr>
             <a:spLocks noGrp="1"/>
           </p:cNvSpPr>
@@ -1920,7 +2092,7 @@
       </p:sp>
       <p:sp>
         <p:nvSpPr>
-          <p:cNvPr id="882048482" name="Footer Placeholder 4"/>
+          <p:cNvPr id="715707466" name="Footer Placeholder 4"/>
           <p:cNvSpPr>
             <a:spLocks noGrp="1"/>
           </p:cNvSpPr>
@@ -1942,7 +2114,7 @@
       </p:sp>
       <p:sp>
         <p:nvSpPr>
-          <p:cNvPr id="2044827564" name="Slide Number Placeholder 5"/>
+          <p:cNvPr id="1685154323" name="Slide Number Placeholder 5"/>
           <p:cNvSpPr>
             <a:spLocks noGrp="1"/>
           </p:cNvSpPr>
@@ -1993,7 +2165,7 @@
       </p:grpSpPr>
       <p:sp>
         <p:nvSpPr>
-          <p:cNvPr id="1741652890" name="Vertical Title 1"/>
+          <p:cNvPr id="1792025122" name="Vertical Title 1"/>
           <p:cNvSpPr>
             <a:spLocks noGrp="1"/>
           </p:cNvSpPr>
@@ -2024,7 +2196,7 @@
       </p:sp>
       <p:sp>
         <p:nvSpPr>
-          <p:cNvPr id="1778033325" name="Vertical Text Placeholder 2"/>
+          <p:cNvPr id="1458567135" name="Vertical Text Placeholder 2"/>
           <p:cNvSpPr>
             <a:spLocks noGrp="1"/>
           </p:cNvSpPr>
@@ -2095,7 +2267,7 @@
       </p:sp>
       <p:sp>
         <p:nvSpPr>
-          <p:cNvPr id="787873617" name="Date Placeholder 3"/>
+          <p:cNvPr id="1989589823" name="Date Placeholder 3"/>
           <p:cNvSpPr>
             <a:spLocks noGrp="1"/>
           </p:cNvSpPr>
@@ -2121,7 +2293,7 @@
       </p:sp>
       <p:sp>
         <p:nvSpPr>
-          <p:cNvPr id="305499275" name="Footer Placeholder 4"/>
+          <p:cNvPr id="1947328478" name="Footer Placeholder 4"/>
           <p:cNvSpPr>
             <a:spLocks noGrp="1"/>
           </p:cNvSpPr>
@@ -2143,7 +2315,7 @@
       </p:sp>
       <p:sp>
         <p:nvSpPr>
-          <p:cNvPr id="222005922" name="Slide Number Placeholder 5"/>
+          <p:cNvPr id="756062899" name="Slide Number Placeholder 5"/>
           <p:cNvSpPr>
             <a:spLocks noGrp="1"/>
           </p:cNvSpPr>
@@ -2194,7 +2366,7 @@
       </p:grpSpPr>
       <p:sp>
         <p:nvSpPr>
-          <p:cNvPr id="835569921" name="Title 1"/>
+          <p:cNvPr id="2004976240" name="Title 1"/>
           <p:cNvSpPr>
             <a:spLocks noGrp="1"/>
           </p:cNvSpPr>
@@ -2220,7 +2392,7 @@
       </p:sp>
       <p:sp>
         <p:nvSpPr>
-          <p:cNvPr id="1743015733" name="Content Placeholder 2"/>
+          <p:cNvPr id="1975252254" name="Content Placeholder 2"/>
           <p:cNvSpPr>
             <a:spLocks noGrp="1"/>
           </p:cNvSpPr>
@@ -2286,7 +2458,7 @@
       </p:sp>
       <p:sp>
         <p:nvSpPr>
-          <p:cNvPr id="374542227" name="Date Placeholder 3"/>
+          <p:cNvPr id="1555969194" name="Date Placeholder 3"/>
           <p:cNvSpPr>
             <a:spLocks noGrp="1"/>
           </p:cNvSpPr>
@@ -2312,7 +2484,7 @@
       </p:sp>
       <p:sp>
         <p:nvSpPr>
-          <p:cNvPr id="2031373401" name="Footer Placeholder 4"/>
+          <p:cNvPr id="1024947540" name="Footer Placeholder 4"/>
           <p:cNvSpPr>
             <a:spLocks noGrp="1"/>
           </p:cNvSpPr>
@@ -2334,7 +2506,7 @@
       </p:sp>
       <p:sp>
         <p:nvSpPr>
-          <p:cNvPr id="1424715528" name="Slide Number Placeholder 5"/>
+          <p:cNvPr id="1342142903" name="Slide Number Placeholder 5"/>
           <p:cNvSpPr>
             <a:spLocks noGrp="1"/>
           </p:cNvSpPr>
@@ -2385,7 +2557,7 @@
       </p:grpSpPr>
       <p:sp>
         <p:nvSpPr>
-          <p:cNvPr id="365435944" name="Title 1"/>
+          <p:cNvPr id="746219782" name="Title 1"/>
           <p:cNvSpPr>
             <a:spLocks noGrp="1"/>
           </p:cNvSpPr>
@@ -2420,7 +2592,7 @@
       </p:sp>
       <p:sp>
         <p:nvSpPr>
-          <p:cNvPr id="649044111" name="Text Placeholder 2"/>
+          <p:cNvPr id="487122434" name="Text Placeholder 2"/>
           <p:cNvSpPr>
             <a:spLocks noGrp="1"/>
           </p:cNvSpPr>
@@ -2542,7 +2714,7 @@
       </p:sp>
       <p:sp>
         <p:nvSpPr>
-          <p:cNvPr id="209262121" name="Date Placeholder 3"/>
+          <p:cNvPr id="563520684" name="Date Placeholder 3"/>
           <p:cNvSpPr>
             <a:spLocks noGrp="1"/>
           </p:cNvSpPr>
@@ -2568,7 +2740,7 @@
       </p:sp>
       <p:sp>
         <p:nvSpPr>
-          <p:cNvPr id="1012862944" name="Footer Placeholder 4"/>
+          <p:cNvPr id="1914444560" name="Footer Placeholder 4"/>
           <p:cNvSpPr>
             <a:spLocks noGrp="1"/>
           </p:cNvSpPr>
@@ -2590,7 +2762,7 @@
       </p:sp>
       <p:sp>
         <p:nvSpPr>
-          <p:cNvPr id="1198496360" name="Slide Number Placeholder 5"/>
+          <p:cNvPr id="1652489385" name="Slide Number Placeholder 5"/>
           <p:cNvSpPr>
             <a:spLocks noGrp="1"/>
           </p:cNvSpPr>
@@ -2641,7 +2813,7 @@
       </p:grpSpPr>
       <p:sp>
         <p:nvSpPr>
-          <p:cNvPr id="279019296" name="Content Placeholder 2"/>
+          <p:cNvPr id="327051067" name="Content Placeholder 2"/>
           <p:cNvSpPr>
             <a:spLocks noGrp="1"/>
           </p:cNvSpPr>
@@ -2740,7 +2912,7 @@
       </p:sp>
       <p:sp>
         <p:nvSpPr>
-          <p:cNvPr id="158909026" name="Content Placeholder 3"/>
+          <p:cNvPr id="946490634" name="Content Placeholder 3"/>
           <p:cNvSpPr>
             <a:spLocks noGrp="1"/>
           </p:cNvSpPr>
@@ -2839,7 +3011,7 @@
       </p:sp>
       <p:sp>
         <p:nvSpPr>
-          <p:cNvPr id="904292277" name="Date Placeholder 4"/>
+          <p:cNvPr id="915616563" name="Date Placeholder 4"/>
           <p:cNvSpPr>
             <a:spLocks noGrp="1"/>
           </p:cNvSpPr>
@@ -2865,7 +3037,7 @@
       </p:sp>
       <p:sp>
         <p:nvSpPr>
-          <p:cNvPr id="1385755201" name="Footer Placeholder 5"/>
+          <p:cNvPr id="1782620268" name="Footer Placeholder 5"/>
           <p:cNvSpPr>
             <a:spLocks noGrp="1"/>
           </p:cNvSpPr>
@@ -2887,7 +3059,7 @@
       </p:sp>
       <p:sp>
         <p:nvSpPr>
-          <p:cNvPr id="1110922869" name="Slide Number Placeholder 6"/>
+          <p:cNvPr id="509232351" name="Slide Number Placeholder 6"/>
           <p:cNvSpPr>
             <a:spLocks noGrp="1"/>
           </p:cNvSpPr>
@@ -2913,7 +3085,7 @@
       </p:sp>
       <p:sp>
         <p:nvSpPr>
-          <p:cNvPr id="593424751" name="Title 7"/>
+          <p:cNvPr id="410675234" name="Title 7"/>
           <p:cNvSpPr>
             <a:spLocks noGrp="1"/>
           </p:cNvSpPr>
@@ -2964,7 +3136,7 @@
       </p:grpSpPr>
       <p:sp>
         <p:nvSpPr>
-          <p:cNvPr id="677489924" name="Text Placeholder 2"/>
+          <p:cNvPr id="610116755" name="Text Placeholder 2"/>
           <p:cNvSpPr>
             <a:spLocks noGrp="1"/>
           </p:cNvSpPr>
@@ -3032,7 +3204,7 @@
       </p:sp>
       <p:sp>
         <p:nvSpPr>
-          <p:cNvPr id="1391219346" name="Content Placeholder 3"/>
+          <p:cNvPr id="949394759" name="Content Placeholder 3"/>
           <p:cNvSpPr>
             <a:spLocks noGrp="1"/>
           </p:cNvSpPr>
@@ -3131,7 +3303,7 @@
       </p:sp>
       <p:sp>
         <p:nvSpPr>
-          <p:cNvPr id="1520077191" name="Text Placeholder 4"/>
+          <p:cNvPr id="1921267156" name="Text Placeholder 4"/>
           <p:cNvSpPr>
             <a:spLocks noGrp="1"/>
           </p:cNvSpPr>
@@ -3199,7 +3371,7 @@
       </p:sp>
       <p:sp>
         <p:nvSpPr>
-          <p:cNvPr id="1577930217" name="Content Placeholder 5"/>
+          <p:cNvPr id="1859548724" name="Content Placeholder 5"/>
           <p:cNvSpPr>
             <a:spLocks noGrp="1"/>
           </p:cNvSpPr>
@@ -3298,7 +3470,7 @@
       </p:sp>
       <p:sp>
         <p:nvSpPr>
-          <p:cNvPr id="1467146165" name="Date Placeholder 6"/>
+          <p:cNvPr id="356137259" name="Date Placeholder 6"/>
           <p:cNvSpPr>
             <a:spLocks noGrp="1"/>
           </p:cNvSpPr>
@@ -3324,7 +3496,7 @@
       </p:sp>
       <p:sp>
         <p:nvSpPr>
-          <p:cNvPr id="383012109" name="Footer Placeholder 7"/>
+          <p:cNvPr id="2116435689" name="Footer Placeholder 7"/>
           <p:cNvSpPr>
             <a:spLocks noGrp="1"/>
           </p:cNvSpPr>
@@ -3346,7 +3518,7 @@
       </p:sp>
       <p:sp>
         <p:nvSpPr>
-          <p:cNvPr id="1174026963" name="Slide Number Placeholder 8"/>
+          <p:cNvPr id="1508242066" name="Slide Number Placeholder 8"/>
           <p:cNvSpPr>
             <a:spLocks noGrp="1"/>
           </p:cNvSpPr>
@@ -3372,7 +3544,7 @@
       </p:sp>
       <p:sp>
         <p:nvSpPr>
-          <p:cNvPr id="304012694" name="Title 9"/>
+          <p:cNvPr id="1158553728" name="Title 9"/>
           <p:cNvSpPr>
             <a:spLocks noGrp="1"/>
           </p:cNvSpPr>
@@ -3423,7 +3595,7 @@
       </p:grpSpPr>
       <p:sp>
         <p:nvSpPr>
-          <p:cNvPr id="1170050784" name="Title 1"/>
+          <p:cNvPr id="14937050" name="Title 1"/>
           <p:cNvSpPr>
             <a:spLocks noGrp="1"/>
           </p:cNvSpPr>
@@ -3449,7 +3621,7 @@
       </p:sp>
       <p:sp>
         <p:nvSpPr>
-          <p:cNvPr id="959997304" name="Date Placeholder 2"/>
+          <p:cNvPr id="1833345354" name="Date Placeholder 2"/>
           <p:cNvSpPr>
             <a:spLocks noGrp="1"/>
           </p:cNvSpPr>
@@ -3475,7 +3647,7 @@
       </p:sp>
       <p:sp>
         <p:nvSpPr>
-          <p:cNvPr id="858583230" name="Footer Placeholder 3"/>
+          <p:cNvPr id="1394910966" name="Footer Placeholder 3"/>
           <p:cNvSpPr>
             <a:spLocks noGrp="1"/>
           </p:cNvSpPr>
@@ -3497,7 +3669,7 @@
       </p:sp>
       <p:sp>
         <p:nvSpPr>
-          <p:cNvPr id="2074438898" name="Slide Number Placeholder 4"/>
+          <p:cNvPr id="1262680539" name="Slide Number Placeholder 4"/>
           <p:cNvSpPr>
             <a:spLocks noGrp="1"/>
           </p:cNvSpPr>
@@ -3548,7 +3720,7 @@
       </p:grpSpPr>
       <p:sp>
         <p:nvSpPr>
-          <p:cNvPr id="1042753194" name="Date Placeholder 1"/>
+          <p:cNvPr id="594590113" name="Date Placeholder 1"/>
           <p:cNvSpPr>
             <a:spLocks noGrp="1"/>
           </p:cNvSpPr>
@@ -3574,7 +3746,7 @@
       </p:sp>
       <p:sp>
         <p:nvSpPr>
-          <p:cNvPr id="1917993113" name="Footer Placeholder 2"/>
+          <p:cNvPr id="1030464306" name="Footer Placeholder 2"/>
           <p:cNvSpPr>
             <a:spLocks noGrp="1"/>
           </p:cNvSpPr>
@@ -3596,7 +3768,7 @@
       </p:sp>
       <p:sp>
         <p:nvSpPr>
-          <p:cNvPr id="1229619439" name="Slide Number Placeholder 3"/>
+          <p:cNvPr id="565875964" name="Slide Number Placeholder 3"/>
           <p:cNvSpPr>
             <a:spLocks noGrp="1"/>
           </p:cNvSpPr>
@@ -3647,7 +3819,7 @@
       </p:grpSpPr>
       <p:sp>
         <p:nvSpPr>
-          <p:cNvPr id="1572353605" name="Title 1"/>
+          <p:cNvPr id="804508271" name="Title 1"/>
           <p:cNvSpPr>
             <a:spLocks noGrp="1"/>
           </p:cNvSpPr>
@@ -3682,7 +3854,7 @@
       </p:sp>
       <p:sp>
         <p:nvSpPr>
-          <p:cNvPr id="1762801800" name="Content Placeholder 2"/>
+          <p:cNvPr id="2111453923" name="Content Placeholder 2"/>
           <p:cNvSpPr>
             <a:spLocks noGrp="1"/>
           </p:cNvSpPr>
@@ -3781,7 +3953,7 @@
       </p:sp>
       <p:sp>
         <p:nvSpPr>
-          <p:cNvPr id="1377093801" name="Text Placeholder 3"/>
+          <p:cNvPr id="481608579" name="Text Placeholder 3"/>
           <p:cNvSpPr>
             <a:spLocks noGrp="1"/>
           </p:cNvSpPr>
@@ -3849,7 +4021,7 @@
       </p:sp>
       <p:sp>
         <p:nvSpPr>
-          <p:cNvPr id="1251627835" name="Date Placeholder 4"/>
+          <p:cNvPr id="1971168682" name="Date Placeholder 4"/>
           <p:cNvSpPr>
             <a:spLocks noGrp="1"/>
           </p:cNvSpPr>
@@ -3875,7 +4047,7 @@
       </p:sp>
       <p:sp>
         <p:nvSpPr>
-          <p:cNvPr id="1054884363" name="Footer Placeholder 5"/>
+          <p:cNvPr id="1977106833" name="Footer Placeholder 5"/>
           <p:cNvSpPr>
             <a:spLocks noGrp="1"/>
           </p:cNvSpPr>
@@ -3897,7 +4069,7 @@
       </p:sp>
       <p:sp>
         <p:nvSpPr>
-          <p:cNvPr id="1246293059" name="Slide Number Placeholder 6"/>
+          <p:cNvPr id="959974512" name="Slide Number Placeholder 6"/>
           <p:cNvSpPr>
             <a:spLocks noGrp="1"/>
           </p:cNvSpPr>
@@ -3948,7 +4120,7 @@
       </p:grpSpPr>
       <p:sp>
         <p:nvSpPr>
-          <p:cNvPr id="2000523252" name="Title 1"/>
+          <p:cNvPr id="1032692124" name="Title 1"/>
           <p:cNvSpPr>
             <a:spLocks noGrp="1"/>
           </p:cNvSpPr>
@@ -3983,7 +4155,7 @@
       </p:sp>
       <p:sp>
         <p:nvSpPr>
-          <p:cNvPr id="1793001975" name="Picture Placeholder 2"/>
+          <p:cNvPr id="925648156" name="Picture Placeholder 2"/>
           <p:cNvSpPr>
             <a:spLocks noGrp="1"/>
           </p:cNvSpPr>
@@ -4047,7 +4219,7 @@
       </p:sp>
       <p:sp>
         <p:nvSpPr>
-          <p:cNvPr id="1734249168" name="Text Placeholder 3"/>
+          <p:cNvPr id="693927561" name="Text Placeholder 3"/>
           <p:cNvSpPr>
             <a:spLocks noGrp="1"/>
           </p:cNvSpPr>
@@ -4115,7 +4287,7 @@
       </p:sp>
       <p:sp>
         <p:nvSpPr>
-          <p:cNvPr id="653583358" name="Date Placeholder 4"/>
+          <p:cNvPr id="848656412" name="Date Placeholder 4"/>
           <p:cNvSpPr>
             <a:spLocks noGrp="1"/>
           </p:cNvSpPr>
@@ -4141,7 +4313,7 @@
       </p:sp>
       <p:sp>
         <p:nvSpPr>
-          <p:cNvPr id="810724678" name="Footer Placeholder 5"/>
+          <p:cNvPr id="1764878194" name="Footer Placeholder 5"/>
           <p:cNvSpPr>
             <a:spLocks noGrp="1"/>
           </p:cNvSpPr>
@@ -4163,7 +4335,7 @@
       </p:sp>
       <p:sp>
         <p:nvSpPr>
-          <p:cNvPr id="72722970" name="Slide Number Placeholder 6"/>
+          <p:cNvPr id="644095044" name="Slide Number Placeholder 6"/>
           <p:cNvSpPr>
             <a:spLocks noGrp="1"/>
           </p:cNvSpPr>
@@ -4219,7 +4391,7 @@
       </p:grpSpPr>
       <p:sp>
         <p:nvSpPr>
-          <p:cNvPr id="560021490" name="Shape 1100"/>
+          <p:cNvPr id="749738782" name="Shape 1100"/>
           <p:cNvSpPr>
             <a:spLocks noChangeArrowheads="1" noGrp="1"/>
           </p:cNvSpPr>
@@ -4476,7 +4648,7 @@
       </p:sp>
       <p:sp>
         <p:nvSpPr>
-          <p:cNvPr id="154833378" name="Shape 1103"/>
+          <p:cNvPr id="342135229" name="Shape 1103"/>
           <p:cNvSpPr>
             <a:spLocks noChangeArrowheads="1" noGrp="1"/>
           </p:cNvSpPr>
@@ -4564,7 +4736,7 @@
       </p:sp>
       <p:sp>
         <p:nvSpPr>
-          <p:cNvPr id="1531740236" name="Shape 1104"/>
+          <p:cNvPr id="754646214" name="Shape 1104"/>
           <p:cNvSpPr>
             <a:spLocks noChangeArrowheads="1" noGrp="1"/>
           </p:cNvSpPr>
@@ -4652,7 +4824,7 @@
       </p:sp>
       <p:sp>
         <p:nvSpPr>
-          <p:cNvPr id="1159025421" name="Shape 1105"/>
+          <p:cNvPr id="1100506319" name="Shape 1105"/>
           <p:cNvSpPr>
             <a:spLocks noChangeArrowheads="1" noGrp="1"/>
           </p:cNvSpPr>
@@ -4740,7 +4912,7 @@
       </p:sp>
       <p:sp>
         <p:nvSpPr>
-          <p:cNvPr id="1945383868" name="Shape 1106"/>
+          <p:cNvPr id="1747710199" name="Shape 1106"/>
           <p:cNvSpPr>
             <a:spLocks noChangeArrowheads="1" noGrp="1"/>
           </p:cNvSpPr>
@@ -4828,7 +5000,7 @@
       </p:sp>
       <p:sp>
         <p:nvSpPr>
-          <p:cNvPr id="1542553097" name="Shape 1107"/>
+          <p:cNvPr id="18163648" name="Shape 1107"/>
           <p:cNvSpPr>
             <a:spLocks noChangeArrowheads="1" noGrp="1"/>
           </p:cNvSpPr>
@@ -4916,7 +5088,7 @@
       </p:sp>
       <p:sp>
         <p:nvSpPr>
-          <p:cNvPr id="1849050915" name="Shape 1108"/>
+          <p:cNvPr id="105540002" name="Shape 1108"/>
           <p:cNvSpPr>
             <a:spLocks noChangeArrowheads="1" noGrp="1"/>
           </p:cNvSpPr>
@@ -5004,7 +5176,7 @@
       </p:sp>
       <p:sp>
         <p:nvSpPr>
-          <p:cNvPr id="1626599001" name="Shape 1109"/>
+          <p:cNvPr id="1624849731" name="Shape 1109"/>
           <p:cNvSpPr>
             <a:spLocks noChangeArrowheads="1" noGrp="1"/>
           </p:cNvSpPr>
@@ -5092,7 +5264,7 @@
       </p:sp>
       <p:sp>
         <p:nvSpPr>
-          <p:cNvPr id="956435565" name="Shape 1110"/>
+          <p:cNvPr id="1034178898" name="Shape 1110"/>
           <p:cNvSpPr>
             <a:spLocks noChangeArrowheads="1" noGrp="1"/>
           </p:cNvSpPr>
@@ -5180,7 +5352,7 @@
       </p:sp>
       <p:sp>
         <p:nvSpPr>
-          <p:cNvPr id="956186472" name="Shape 1111"/>
+          <p:cNvPr id="231175160" name="Shape 1111"/>
           <p:cNvSpPr>
             <a:spLocks noChangeArrowheads="1" noGrp="1"/>
           </p:cNvSpPr>
@@ -5268,7 +5440,7 @@
       </p:sp>
       <p:sp>
         <p:nvSpPr>
-          <p:cNvPr id="1043780328" name="Shape 1112"/>
+          <p:cNvPr id="164413748" name="Shape 1112"/>
           <p:cNvSpPr>
             <a:spLocks noChangeArrowheads="1" noGrp="1"/>
           </p:cNvSpPr>
@@ -5356,7 +5528,7 @@
       </p:sp>
       <p:sp>
         <p:nvSpPr>
-          <p:cNvPr id="815504163" name="Shape 1113"/>
+          <p:cNvPr id="1189715672" name="Shape 1113"/>
           <p:cNvSpPr>
             <a:spLocks noChangeArrowheads="1" noGrp="1"/>
           </p:cNvSpPr>
@@ -5444,7 +5616,7 @@
       </p:sp>
       <p:sp>
         <p:nvSpPr>
-          <p:cNvPr id="1385822172" name="Shape 1114"/>
+          <p:cNvPr id="1395263188" name="Shape 1114"/>
           <p:cNvSpPr>
             <a:spLocks noChangeArrowheads="1" noGrp="1"/>
           </p:cNvSpPr>
@@ -5532,7 +5704,7 @@
       </p:sp>
       <p:sp>
         <p:nvSpPr>
-          <p:cNvPr id="1478822984" name="Shape 1115"/>
+          <p:cNvPr id="1803023669" name="Shape 1115"/>
           <p:cNvSpPr>
             <a:spLocks noChangeArrowheads="1" noGrp="1"/>
           </p:cNvSpPr>
@@ -5620,7 +5792,7 @@
       </p:sp>
       <p:sp>
         <p:nvSpPr>
-          <p:cNvPr id="1388605207" name="Shape 1116"/>
+          <p:cNvPr id="2138418308" name="Shape 1116"/>
           <p:cNvSpPr>
             <a:spLocks noChangeArrowheads="1" noGrp="1"/>
           </p:cNvSpPr>
@@ -5629,7 +5801,7 @@
         <p:spPr bwMode="auto">
           <a:xfrm>
             <a:off x="984107" y="474624"/>
-            <a:ext cx="5463821" cy="4108919"/>
+            <a:ext cx="5463821" cy="4108918"/>
           </a:xfrm>
           <a:custGeom>
             <a:avLst/>
@@ -5708,7 +5880,7 @@
       </p:sp>
       <p:sp>
         <p:nvSpPr>
-          <p:cNvPr id="1943637628" name="Shape 1117"/>
+          <p:cNvPr id="1336566115" name="Shape 1117"/>
           <p:cNvSpPr>
             <a:spLocks noChangeArrowheads="1" noGrp="1"/>
           </p:cNvSpPr>
@@ -5716,7 +5888,7 @@
         </p:nvSpPr>
         <p:spPr bwMode="auto">
           <a:xfrm>
-            <a:off x="1045633" y="503197"/>
+            <a:off x="1045632" y="503197"/>
             <a:ext cx="5284893" cy="3974469"/>
           </a:xfrm>
           <a:custGeom>
@@ -5796,7 +5968,7 @@
       </p:sp>
       <p:sp>
         <p:nvSpPr>
-          <p:cNvPr id="371298302" name="Shape 1118"/>
+          <p:cNvPr id="1251974320" name="Shape 1118"/>
           <p:cNvSpPr>
             <a:spLocks noChangeArrowheads="1" noGrp="1"/>
           </p:cNvSpPr>
@@ -5884,7 +6056,7 @@
       </p:sp>
       <p:sp>
         <p:nvSpPr>
-          <p:cNvPr id="512988457" name="Shape 1119"/>
+          <p:cNvPr id="641635161" name="Shape 1119"/>
           <p:cNvSpPr>
             <a:spLocks noChangeArrowheads="1" noGrp="1"/>
           </p:cNvSpPr>
@@ -5972,7 +6144,7 @@
       </p:sp>
       <p:sp>
         <p:nvSpPr>
-          <p:cNvPr id="1593355264" name="Shape 1120"/>
+          <p:cNvPr id="1587902643" name="Shape 1120"/>
           <p:cNvSpPr>
             <a:spLocks noChangeArrowheads="1" noGrp="1"/>
           </p:cNvSpPr>
@@ -6047,7 +6219,7 @@
       </p:sp>
       <p:sp>
         <p:nvSpPr>
-          <p:cNvPr id="1080022263" name="Shape 1121"/>
+          <p:cNvPr id="997901126" name="Shape 1121"/>
           <p:cNvSpPr>
             <a:spLocks noChangeArrowheads="1" noGrp="1"/>
           </p:cNvSpPr>
@@ -6122,7 +6294,7 @@
       </p:sp>
       <p:sp>
         <p:nvSpPr>
-          <p:cNvPr id="1908464885" name="Shape 1124"/>
+          <p:cNvPr id="93414969" name="Shape 1124"/>
           <p:cNvSpPr>
             <a:spLocks noChangeArrowheads="1" noGrp="1"/>
           </p:cNvSpPr>
@@ -6197,7 +6369,7 @@
       </p:sp>
       <p:sp>
         <p:nvSpPr>
-          <p:cNvPr id="324113886" name="Shape 1125"/>
+          <p:cNvPr id="1819735184" name="Shape 1125"/>
           <p:cNvSpPr>
             <a:spLocks noChangeArrowheads="1" noGrp="1"/>
           </p:cNvSpPr>
@@ -6272,7 +6444,7 @@
       </p:sp>
       <p:sp>
         <p:nvSpPr>
-          <p:cNvPr id="1796042210" name="Shape 1138"/>
+          <p:cNvPr id="717169838" name="Shape 1138"/>
           <p:cNvSpPr>
             <a:spLocks noChangeArrowheads="1" noGrp="1"/>
           </p:cNvSpPr>
@@ -6347,7 +6519,7 @@
       </p:sp>
       <p:sp>
         <p:nvSpPr>
-          <p:cNvPr id="2026262815" name="Shape 1139"/>
+          <p:cNvPr id="231534092" name="Shape 1139"/>
           <p:cNvSpPr>
             <a:spLocks noChangeArrowheads="1" noGrp="1"/>
           </p:cNvSpPr>
@@ -6355,7 +6527,7 @@
         </p:nvSpPr>
         <p:spPr bwMode="auto">
           <a:xfrm>
-            <a:off x="1648463" y="4729109"/>
+            <a:off x="1648462" y="4729109"/>
             <a:ext cx="755507" cy="568121"/>
           </a:xfrm>
           <a:custGeom>
@@ -6422,7 +6594,7 @@
       </p:sp>
       <p:sp>
         <p:nvSpPr>
-          <p:cNvPr id="515597535" name="Shape 1140"/>
+          <p:cNvPr id="1100047428" name="Shape 1140"/>
           <p:cNvSpPr>
             <a:spLocks noChangeArrowheads="1" noGrp="1"/>
           </p:cNvSpPr>
@@ -6497,7 +6669,7 @@
       </p:sp>
       <p:sp>
         <p:nvSpPr>
-          <p:cNvPr id="2124698995" name="Shape 1141"/>
+          <p:cNvPr id="691143254" name="Shape 1141"/>
           <p:cNvSpPr>
             <a:spLocks noChangeArrowheads="1" noGrp="1"/>
           </p:cNvSpPr>
@@ -6506,7 +6678,7 @@
         <p:spPr bwMode="auto">
           <a:xfrm>
             <a:off x="2370101" y="5855034"/>
-            <a:ext cx="893514" cy="671935"/>
+            <a:ext cx="893513" cy="671935"/>
           </a:xfrm>
           <a:custGeom>
             <a:avLst/>
@@ -6572,7 +6744,7 @@
       </p:sp>
       <p:sp>
         <p:nvSpPr>
-          <p:cNvPr id="695240200" name="Shape 1142"/>
+          <p:cNvPr id="396779246" name="Shape 1142"/>
           <p:cNvSpPr>
             <a:spLocks noChangeArrowheads="1" noGrp="1"/>
           </p:cNvSpPr>
@@ -6647,7 +6819,7 @@
       </p:sp>
       <p:sp>
         <p:nvSpPr>
-          <p:cNvPr id="1258745368" name="Shape 1143"/>
+          <p:cNvPr id="1472021172" name="Shape 1143"/>
           <p:cNvSpPr>
             <a:spLocks noChangeArrowheads="1" noGrp="1"/>
           </p:cNvSpPr>
@@ -6655,7 +6827,7 @@
         </p:nvSpPr>
         <p:spPr bwMode="auto">
           <a:xfrm>
-            <a:off x="3596921" y="5964721"/>
+            <a:off x="3596920" y="5964721"/>
             <a:ext cx="726439" cy="546215"/>
           </a:xfrm>
           <a:custGeom>
@@ -6722,7 +6894,7 @@
       </p:sp>
       <p:sp>
         <p:nvSpPr>
-          <p:cNvPr id="1761058099" name="Shape 1144"/>
+          <p:cNvPr id="562381122" name="Shape 1144"/>
           <p:cNvSpPr>
             <a:spLocks noChangeArrowheads="1" noGrp="1"/>
           </p:cNvSpPr>
@@ -6730,7 +6902,7 @@
         </p:nvSpPr>
         <p:spPr bwMode="auto">
           <a:xfrm>
-            <a:off x="3037843" y="5578670"/>
+            <a:off x="3037843" y="5578669"/>
             <a:ext cx="977899" cy="735271"/>
           </a:xfrm>
           <a:custGeom>
@@ -6797,7 +6969,7 @@
       </p:sp>
       <p:sp>
         <p:nvSpPr>
-          <p:cNvPr id="1875011678" name="Shape 1147"/>
+          <p:cNvPr id="495472282" name="Shape 1147"/>
           <p:cNvSpPr>
             <a:spLocks noChangeArrowheads="1" noGrp="1"/>
           </p:cNvSpPr>
@@ -6872,7 +7044,7 @@
       </p:sp>
       <p:sp>
         <p:nvSpPr>
-          <p:cNvPr id="709892668" name="Shape 1148"/>
+          <p:cNvPr id="1646140692" name="Shape 1148"/>
           <p:cNvSpPr>
             <a:spLocks noChangeArrowheads="1" noGrp="1"/>
           </p:cNvSpPr>
@@ -6947,7 +7119,7 @@
       </p:sp>
       <p:sp>
         <p:nvSpPr>
-          <p:cNvPr id="2112341466" name="Text Placeholder 2"/>
+          <p:cNvPr id="116207785" name="Text Placeholder 2"/>
           <p:cNvSpPr>
             <a:spLocks noGrp="1"/>
           </p:cNvSpPr>
@@ -7023,7 +7195,7 @@
       </p:sp>
       <p:sp>
         <p:nvSpPr>
-          <p:cNvPr id="1252771234" name="Date Placeholder 3"/>
+          <p:cNvPr id="1858736136" name="Date Placeholder 3"/>
           <p:cNvSpPr>
             <a:spLocks noGrp="1"/>
           </p:cNvSpPr>
@@ -7034,7 +7206,7 @@
         <p:spPr bwMode="auto">
           <a:xfrm>
             <a:off x="815413" y="6356353"/>
-            <a:ext cx="2844799" cy="365125"/>
+            <a:ext cx="2844798" cy="365125"/>
           </a:xfrm>
           <a:prstGeom prst="rect">
             <a:avLst/>
@@ -7068,7 +7240,7 @@
       </p:sp>
       <p:sp>
         <p:nvSpPr>
-          <p:cNvPr id="1378207662" name="Footer Placeholder 4"/>
+          <p:cNvPr id="68155139" name="Footer Placeholder 4"/>
           <p:cNvSpPr>
             <a:spLocks noGrp="1"/>
           </p:cNvSpPr>
@@ -7109,7 +7281,7 @@
       </p:sp>
       <p:sp>
         <p:nvSpPr>
-          <p:cNvPr id="260013489" name="Title 1"/>
+          <p:cNvPr id="1889739482" name="Title 1"/>
           <p:cNvSpPr>
             <a:spLocks noGrp="1"/>
           </p:cNvSpPr>
@@ -7145,7 +7317,7 @@
       </p:sp>
       <p:sp>
         <p:nvSpPr>
-          <p:cNvPr id="1887799179" name="Slide Number Placeholder 5"/>
+          <p:cNvPr id="836466145" name="Slide Number Placeholder 5"/>
           <p:cNvSpPr>
             <a:spLocks noGrp="1"/>
           </p:cNvSpPr>
@@ -7488,7 +7660,7 @@
       </p:grpSpPr>
       <p:sp>
         <p:nvSpPr>
-          <p:cNvPr id="2022110107" name="Cím 1"/>
+          <p:cNvPr id="536308500" name="Cím 1"/>
           <p:cNvSpPr>
             <a:spLocks noGrp="1"/>
           </p:cNvSpPr>
@@ -7530,7 +7702,7 @@
       </p:sp>
       <p:sp>
         <p:nvSpPr>
-          <p:cNvPr id="1740317143" name="Alcím 2"/>
+          <p:cNvPr id="899745080" name="Alcím 2"/>
           <p:cNvSpPr>
             <a:spLocks noGrp="1"/>
           </p:cNvSpPr>
@@ -7619,7 +7791,7 @@
       </p:grpSpPr>
       <p:sp>
         <p:nvSpPr>
-          <p:cNvPr id="1383841153" name="Title 1"/>
+          <p:cNvPr id="2095079758" name="Title 1"/>
           <p:cNvSpPr>
             <a:spLocks noGrp="1"/>
           </p:cNvSpPr>
@@ -7645,7 +7817,7 @@
       </p:sp>
       <p:sp>
         <p:nvSpPr>
-          <p:cNvPr id="1798369663" name="Content Placeholder 2"/>
+          <p:cNvPr id="1732447148" name="Content Placeholder 2"/>
           <p:cNvSpPr>
             <a:spLocks noGrp="1"/>
           </p:cNvSpPr>
@@ -7681,7 +7853,7 @@
       </p:sp>
       <p:pic>
         <p:nvPicPr>
-          <p:cNvPr id="258869353" name=""/>
+          <p:cNvPr id="614839763" name=""/>
           <p:cNvPicPr>
             <a:picLocks noChangeAspect="1"/>
           </p:cNvPicPr>
@@ -7693,8 +7865,8 @@
         </p:blipFill>
         <p:spPr bwMode="auto">
           <a:xfrm flipH="0" flipV="0">
-            <a:off x="3753528" y="2135758"/>
-            <a:ext cx="7623057" cy="3454853"/>
+            <a:off x="1679834" y="2135757"/>
+            <a:ext cx="8804745" cy="3990406"/>
           </a:xfrm>
           <a:prstGeom prst="rect">
             <a:avLst/>
@@ -7736,7 +7908,7 @@
       </p:grpSpPr>
       <p:sp>
         <p:nvSpPr>
-          <p:cNvPr id="1498125264" name="Title 1"/>
+          <p:cNvPr id="254664092" name="Title 1"/>
           <p:cNvSpPr>
             <a:spLocks noGrp="1"/>
           </p:cNvSpPr>
@@ -7756,13 +7928,17 @@
               <a:rPr lang="sk-SK"/>
               <a:t>Forgalom irányítása</a:t>
             </a:r>
-            <a:endParaRPr/>
-          </a:p>
-        </p:txBody>
-      </p:sp>
-      <p:sp>
-        <p:nvSpPr>
-          <p:cNvPr id="545877572" name="Content Placeholder 2"/>
+            <a:r>
+              <a:rPr lang="sk-SK"/>
+              <a:t> fuzzy logikával</a:t>
+            </a:r>
+            <a:endParaRPr/>
+          </a:p>
+        </p:txBody>
+      </p:sp>
+      <p:sp>
+        <p:nvSpPr>
+          <p:cNvPr id="1949352816" name="Content Placeholder 2"/>
           <p:cNvSpPr>
             <a:spLocks noGrp="1"/>
           </p:cNvSpPr>
@@ -7790,7 +7966,7 @@
       </p:sp>
       <p:pic>
         <p:nvPicPr>
-          <p:cNvPr id="97157386" name=""/>
+          <p:cNvPr id="441727991" name=""/>
           <p:cNvPicPr>
             <a:picLocks noChangeAspect="1"/>
           </p:cNvPicPr>
@@ -7845,7 +8021,714 @@
       </p:grpSpPr>
       <p:sp>
         <p:nvSpPr>
-          <p:cNvPr id="1889659806" name="Title 1"/>
+          <p:cNvPr id="699945689" name="Title 1"/>
+          <p:cNvSpPr>
+            <a:spLocks noGrp="1"/>
+          </p:cNvSpPr>
+          <p:nvPr>
+            <p:ph type="title"/>
+          </p:nvPr>
+        </p:nvSpPr>
+        <p:spPr bwMode="auto"/>
+        <p:txBody>
+          <a:bodyPr vertOverflow="overflow" horzOverflow="overflow" vert="horz" wrap="square" lIns="91440" tIns="45720" rIns="91440" bIns="45720" numCol="1" spcCol="0" rtlCol="0" fromWordArt="0" anchor="ctr" anchorCtr="0" forceAA="0" upright="0" compatLnSpc="0">
+            <a:normAutofit fontScale="90000" lnSpcReduction="2000"/>
+          </a:bodyPr>
+          <a:lstStyle/>
+          <a:p>
+            <a:pPr>
+              <a:defRPr/>
+            </a:pPr>
+            <a:r>
+              <a:rPr lang="sk-SK"/>
+              <a:t>Forgalom irányítása időosztásos módszerre (10s - 10s)</a:t>
+            </a:r>
+            <a:endParaRPr/>
+          </a:p>
+        </p:txBody>
+      </p:sp>
+      <p:sp>
+        <p:nvSpPr>
+          <p:cNvPr id="1238801419" name="Content Placeholder 2"/>
+          <p:cNvSpPr>
+            <a:spLocks noGrp="1"/>
+          </p:cNvSpPr>
+          <p:nvPr>
+            <p:ph idx="1"/>
+          </p:nvPr>
+        </p:nvSpPr>
+        <p:spPr bwMode="auto"/>
+        <p:txBody>
+          <a:bodyPr/>
+          <a:lstStyle/>
+          <a:p>
+            <a:pPr marL="0" indent="0">
+              <a:buFont typeface="Arial"/>
+              <a:buNone/>
+              <a:defRPr/>
+            </a:pPr>
+            <a:r>
+              <a:rPr lang="sk-SK"/>
+              <a:t> </a:t>
+            </a:r>
+            <a:endParaRPr/>
+          </a:p>
+        </p:txBody>
+      </p:sp>
+      <p:pic>
+        <p:nvPicPr>
+          <p:cNvPr id="1689255114" name=""/>
+          <p:cNvPicPr>
+            <a:picLocks noChangeAspect="1"/>
+          </p:cNvPicPr>
+          <p:nvPr/>
+        </p:nvPicPr>
+        <p:blipFill rotWithShape="1">
+          <a:blip r:embed="rId3"/>
+          <a:stretch/>
+        </p:blipFill>
+        <p:spPr bwMode="auto">
+          <a:xfrm>
+            <a:off x="1214437" y="1524874"/>
+            <a:ext cx="9763124" cy="5238749"/>
+          </a:xfrm>
+          <a:prstGeom prst="rect">
+            <a:avLst/>
+          </a:prstGeom>
+        </p:spPr>
+      </p:pic>
+    </p:spTree>
+  </p:cSld>
+  <p:clrMapOvr>
+    <a:masterClrMapping/>
+  </p:clrMapOvr>
+  <mc:AlternateContent xmlns:mc="http://schemas.openxmlformats.org/markup-compatibility/2006">
+    <mc:Choice xmlns:p159="http://schemas.microsoft.com/office/powerpoint/2015/09/main" xmlns:p14="http://schemas.microsoft.com/office/powerpoint/2010/main" Requires="p159">
+      <p:transition p14:dur="2000" advClick="1"/>
+    </mc:Choice>
+    <mc:Fallback>
+      <p:transition advClick="1"/>
+    </mc:Fallback>
+  </mc:AlternateContent>
+</p:sld>
+</file>
+
+<file path=ppt/slides/slide13.xml><?xml version="1.0" encoding="utf-8"?>
+<p:sld xmlns:a="http://schemas.openxmlformats.org/drawingml/2006/main" xmlns:r="http://schemas.openxmlformats.org/officeDocument/2006/relationships" xmlns:p="http://schemas.openxmlformats.org/presentationml/2006/main" xmlns:m="http://schemas.openxmlformats.org/officeDocument/2006/math" xmlns:w="http://schemas.openxmlformats.org/wordprocessingml/2006/main" xmlns:mc="http://schemas.openxmlformats.org/markup-compatibility/2006" showMasterPhAnim="0" showMasterSp="1" show="1">
+  <p:cSld name="">
+    <p:spTree>
+      <p:nvGrpSpPr>
+        <p:cNvPr id="1" name=""/>
+        <p:cNvGrpSpPr/>
+        <p:nvPr/>
+      </p:nvGrpSpPr>
+      <p:grpSpPr bwMode="auto">
+        <a:xfrm>
+          <a:off x="0" y="0"/>
+          <a:ext cx="0" cy="0"/>
+          <a:chOff x="0" y="0"/>
+          <a:chExt cx="0" cy="0"/>
+        </a:xfrm>
+      </p:grpSpPr>
+      <p:sp>
+        <p:nvSpPr>
+          <p:cNvPr id="1703386115" name="Title 1"/>
+          <p:cNvSpPr>
+            <a:spLocks noGrp="1"/>
+          </p:cNvSpPr>
+          <p:nvPr>
+            <p:ph type="title"/>
+          </p:nvPr>
+        </p:nvSpPr>
+        <p:spPr bwMode="auto"/>
+        <p:txBody>
+          <a:bodyPr/>
+          <a:lstStyle/>
+          <a:p>
+            <a:pPr>
+              <a:defRPr/>
+            </a:pPr>
+            <a:r>
+              <a:rPr lang="sk-SK"/>
+              <a:t>Összehasonlítás</a:t>
+            </a:r>
+            <a:endParaRPr/>
+          </a:p>
+        </p:txBody>
+      </p:sp>
+      <p:sp>
+        <p:nvSpPr>
+          <p:cNvPr id="740769786" name="Content Placeholder 2"/>
+          <p:cNvSpPr>
+            <a:spLocks noGrp="1"/>
+          </p:cNvSpPr>
+          <p:nvPr>
+            <p:ph idx="1"/>
+          </p:nvPr>
+        </p:nvSpPr>
+        <p:spPr bwMode="auto"/>
+        <p:txBody>
+          <a:bodyPr/>
+          <a:lstStyle/>
+          <a:p>
+            <a:pPr marL="0" indent="0">
+              <a:buFont typeface="Arial"/>
+              <a:buNone/>
+              <a:defRPr/>
+            </a:pPr>
+            <a:r>
+              <a:rPr lang="sk-SK"/>
+              <a:t> </a:t>
+            </a:r>
+            <a:endParaRPr/>
+          </a:p>
+        </p:txBody>
+      </p:sp>
+      <p:graphicFrame>
+        <p:nvGraphicFramePr>
+          <p:cNvPr id="1941400870" name=""/>
+          <p:cNvGraphicFramePr>
+            <a:graphicFrameLocks xmlns:a="http://schemas.openxmlformats.org/drawingml/2006/main"/>
+          </p:cNvGraphicFramePr>
+          <p:nvPr/>
+        </p:nvGraphicFramePr>
+        <p:xfrm>
+          <a:off x="787828" y="1642463"/>
+          <a:ext cx="8408275" cy="1076870"/>
+        </p:xfrm>
+        <a:graphic>
+          <a:graphicData uri="http://schemas.openxmlformats.org/drawingml/2006/table">
+            <a:tbl>
+              <a:tblPr firstRow="1" firstCol="1" lastRow="0" lastCol="0" bandRow="1" bandCol="0">
+                <a:tableStyleId>{5C22544A-7EE6-4342-B048-85BDC9FD1C3A}</a:tableStyleId>
+              </a:tblPr>
+              <a:tblGrid>
+                <a:gridCol w="2115211"/>
+                <a:gridCol w="2115211"/>
+                <a:gridCol w="2115211"/>
+                <a:gridCol w="2115211"/>
+                <a:gridCol w="2115211"/>
+              </a:tblGrid>
+              <a:tr h="970616">
+                <a:tc>
+                  <a:txBody>
+                    <a:bodyPr/>
+                    <a:p>
+                      <a:pPr>
+                        <a:defRPr/>
+                      </a:pPr>
+                      <a:endParaRPr lang="hu-HU">
+                        <a:solidFill>
+                          <a:schemeClr val="tx1"/>
+                        </a:solidFill>
+                      </a:endParaRPr>
+                    </a:p>
+                  </a:txBody>
+                  <a:tcPr vert="horz"/>
+                </a:tc>
+                <a:tc>
+                  <a:txBody>
+                    <a:bodyPr/>
+                    <a:p>
+                      <a:pPr>
+                        <a:defRPr/>
+                      </a:pPr>
+                      <a:r>
+                        <a:rPr lang="hu-HU">
+                          <a:solidFill>
+                            <a:schemeClr val="tx1"/>
+                          </a:solidFill>
+                        </a:rPr>
+                        <a:t>Fuzzy </a:t>
+                      </a:r>
+                      <a:endParaRPr lang="hu-HU">
+                        <a:solidFill>
+                          <a:schemeClr val="tx1"/>
+                        </a:solidFill>
+                      </a:endParaRPr>
+                    </a:p>
+                  </a:txBody>
+                  <a:tcPr vert="horz"/>
+                </a:tc>
+                <a:tc>
+                  <a:txBody>
+                    <a:bodyPr/>
+                    <a:p>
+                      <a:pPr>
+                        <a:defRPr/>
+                      </a:pPr>
+                      <a:r>
+                        <a:rPr lang="hu-HU">
+                          <a:solidFill>
+                            <a:schemeClr val="tx1"/>
+                          </a:solidFill>
+                        </a:rPr>
+                        <a:t>Időosztásos (10s - 10s)</a:t>
+                      </a:r>
+                      <a:endParaRPr lang="hu-HU">
+                        <a:solidFill>
+                          <a:schemeClr val="tx1"/>
+                        </a:solidFill>
+                      </a:endParaRPr>
+                    </a:p>
+                  </a:txBody>
+                  <a:tcPr vert="horz"/>
+                </a:tc>
+                <a:tc>
+                  <a:txBody>
+                    <a:bodyPr/>
+                    <a:p>
+                      <a:pPr>
+                        <a:defRPr/>
+                      </a:pPr>
+                      <a:r>
+                        <a:rPr lang="hu-HU">
+                          <a:solidFill>
+                            <a:schemeClr val="tx1"/>
+                          </a:solidFill>
+                        </a:rPr>
+                        <a:t>Eltérés</a:t>
+                      </a:r>
+                      <a:endParaRPr lang="hu-HU">
+                        <a:solidFill>
+                          <a:schemeClr val="tx1"/>
+                        </a:solidFill>
+                      </a:endParaRPr>
+                    </a:p>
+                  </a:txBody>
+                  <a:tcPr vert="horz"/>
+                </a:tc>
+                <a:tc>
+                  <a:txBody>
+                    <a:bodyPr/>
+                    <a:p>
+                      <a:pPr>
+                        <a:defRPr/>
+                      </a:pPr>
+                      <a:r>
+                        <a:rPr lang="hu-HU">
+                          <a:solidFill>
+                            <a:schemeClr val="tx1"/>
+                          </a:solidFill>
+                        </a:rPr>
+                        <a:t>Százalékos eltérés</a:t>
+                      </a:r>
+                      <a:endParaRPr lang="hu-HU">
+                        <a:solidFill>
+                          <a:schemeClr val="tx1"/>
+                        </a:solidFill>
+                      </a:endParaRPr>
+                    </a:p>
+                  </a:txBody>
+                  <a:tcPr vert="horz"/>
+                </a:tc>
+              </a:tr>
+              <a:tr h="710013">
+                <a:tc>
+                  <a:txBody>
+                    <a:bodyPr/>
+                    <a:p>
+                      <a:pPr>
+                        <a:defRPr/>
+                      </a:pPr>
+                      <a:r>
+                        <a:rPr lang="hu-HU">
+                          <a:solidFill>
+                            <a:schemeClr val="tx1"/>
+                          </a:solidFill>
+                        </a:rPr>
+                        <a:t>Rövidtáv (100s)</a:t>
+                      </a:r>
+                      <a:endParaRPr lang="hu-HU">
+                        <a:solidFill>
+                          <a:schemeClr val="tx1"/>
+                        </a:solidFill>
+                      </a:endParaRPr>
+                    </a:p>
+                  </a:txBody>
+                  <a:tcPr vert="horz"/>
+                </a:tc>
+                <a:tc>
+                  <a:txBody>
+                    <a:bodyPr/>
+                    <a:p>
+                      <a:pPr>
+                        <a:defRPr/>
+                      </a:pPr>
+                      <a:r>
+                        <a:rPr lang="sk-SK">
+                          <a:solidFill>
+                            <a:schemeClr val="tx1"/>
+                          </a:solidFill>
+                        </a:rPr>
+                        <a:t>164</a:t>
+                      </a:r>
+                      <a:endParaRPr lang="hu-HU">
+                        <a:solidFill>
+                          <a:schemeClr val="tx1"/>
+                        </a:solidFill>
+                      </a:endParaRPr>
+                    </a:p>
+                  </a:txBody>
+                  <a:tcPr vert="horz"/>
+                </a:tc>
+                <a:tc>
+                  <a:txBody>
+                    <a:bodyPr/>
+                    <a:p>
+                      <a:pPr>
+                        <a:defRPr/>
+                      </a:pPr>
+                      <a:r>
+                        <a:rPr lang="sk-SK">
+                          <a:solidFill>
+                            <a:schemeClr val="tx1"/>
+                          </a:solidFill>
+                        </a:rPr>
+                        <a:t>160</a:t>
+                      </a:r>
+                      <a:endParaRPr lang="hu-HU">
+                        <a:solidFill>
+                          <a:schemeClr val="tx1"/>
+                        </a:solidFill>
+                      </a:endParaRPr>
+                    </a:p>
+                  </a:txBody>
+                  <a:tcPr vert="horz"/>
+                </a:tc>
+                <a:tc>
+                  <a:txBody>
+                    <a:bodyPr/>
+                    <a:p>
+                      <a:pPr>
+                        <a:defRPr/>
+                      </a:pPr>
+                      <a:r>
+                        <a:rPr lang="sk-SK">
+                          <a:solidFill>
+                            <a:schemeClr val="tx1"/>
+                          </a:solidFill>
+                        </a:rPr>
+                        <a:t>4</a:t>
+                      </a:r>
+                      <a:endParaRPr lang="hu-HU">
+                        <a:solidFill>
+                          <a:schemeClr val="tx1"/>
+                        </a:solidFill>
+                      </a:endParaRPr>
+                    </a:p>
+                  </a:txBody>
+                  <a:tcPr vert="horz"/>
+                </a:tc>
+                <a:tc>
+                  <a:txBody>
+                    <a:bodyPr/>
+                    <a:p>
+                      <a:pPr>
+                        <a:defRPr/>
+                      </a:pPr>
+                      <a:r>
+                        <a:rPr lang="sk-SK">
+                          <a:solidFill>
+                            <a:schemeClr val="tx1"/>
+                          </a:solidFill>
+                        </a:rPr>
+                        <a:t>~2,44%</a:t>
+                      </a:r>
+                      <a:endParaRPr lang="hu-HU">
+                        <a:solidFill>
+                          <a:schemeClr val="tx1"/>
+                        </a:solidFill>
+                      </a:endParaRPr>
+                    </a:p>
+                  </a:txBody>
+                  <a:tcPr vert="horz"/>
+                </a:tc>
+              </a:tr>
+              <a:tr h="683420">
+                <a:tc>
+                  <a:txBody>
+                    <a:bodyPr/>
+                    <a:p>
+                      <a:pPr>
+                        <a:defRPr/>
+                      </a:pPr>
+                      <a:r>
+                        <a:rPr lang="hu-HU">
+                          <a:solidFill>
+                            <a:schemeClr val="tx1"/>
+                          </a:solidFill>
+                        </a:rPr>
+                        <a:t>Középtáv (500s)</a:t>
+                      </a:r>
+                      <a:endParaRPr lang="hu-HU">
+                        <a:solidFill>
+                          <a:schemeClr val="tx1"/>
+                        </a:solidFill>
+                      </a:endParaRPr>
+                    </a:p>
+                  </a:txBody>
+                  <a:tcPr vert="horz"/>
+                </a:tc>
+                <a:tc>
+                  <a:txBody>
+                    <a:bodyPr/>
+                    <a:p>
+                      <a:pPr>
+                        <a:defRPr/>
+                      </a:pPr>
+                      <a:r>
+                        <a:rPr lang="sk-SK">
+                          <a:solidFill>
+                            <a:schemeClr val="tx1"/>
+                          </a:solidFill>
+                        </a:rPr>
+                        <a:t>851</a:t>
+                      </a:r>
+                      <a:endParaRPr lang="hu-HU">
+                        <a:solidFill>
+                          <a:schemeClr val="tx1"/>
+                        </a:solidFill>
+                      </a:endParaRPr>
+                    </a:p>
+                  </a:txBody>
+                  <a:tcPr vert="horz"/>
+                </a:tc>
+                <a:tc>
+                  <a:txBody>
+                    <a:bodyPr/>
+                    <a:p>
+                      <a:pPr>
+                        <a:defRPr/>
+                      </a:pPr>
+                      <a:r>
+                        <a:rPr lang="sk-SK">
+                          <a:solidFill>
+                            <a:schemeClr val="tx1"/>
+                          </a:solidFill>
+                        </a:rPr>
+                        <a:t>846</a:t>
+                      </a:r>
+                      <a:endParaRPr lang="hu-HU">
+                        <a:solidFill>
+                          <a:schemeClr val="tx1"/>
+                        </a:solidFill>
+                      </a:endParaRPr>
+                    </a:p>
+                  </a:txBody>
+                  <a:tcPr vert="horz"/>
+                </a:tc>
+                <a:tc>
+                  <a:txBody>
+                    <a:bodyPr/>
+                    <a:p>
+                      <a:pPr>
+                        <a:defRPr/>
+                      </a:pPr>
+                      <a:r>
+                        <a:rPr lang="sk-SK">
+                          <a:solidFill>
+                            <a:schemeClr val="tx1"/>
+                          </a:solidFill>
+                        </a:rPr>
+                        <a:t>5</a:t>
+                      </a:r>
+                      <a:endParaRPr lang="hu-HU">
+                        <a:solidFill>
+                          <a:schemeClr val="tx1"/>
+                        </a:solidFill>
+                      </a:endParaRPr>
+                    </a:p>
+                  </a:txBody>
+                  <a:tcPr vert="horz"/>
+                </a:tc>
+                <a:tc>
+                  <a:txBody>
+                    <a:bodyPr/>
+                    <a:p>
+                      <a:pPr>
+                        <a:defRPr/>
+                      </a:pPr>
+                      <a:r>
+                        <a:rPr lang="sk-SK">
+                          <a:solidFill>
+                            <a:schemeClr val="tx1"/>
+                          </a:solidFill>
+                        </a:rPr>
+                        <a:t>~0,59%</a:t>
+                      </a:r>
+                      <a:endParaRPr lang="hu-HU">
+                        <a:solidFill>
+                          <a:schemeClr val="tx1"/>
+                        </a:solidFill>
+                      </a:endParaRPr>
+                    </a:p>
+                  </a:txBody>
+                  <a:tcPr vert="horz"/>
+                </a:tc>
+              </a:tr>
+              <a:tr h="970616">
+                <a:tc>
+                  <a:txBody>
+                    <a:bodyPr/>
+                    <a:p>
+                      <a:pPr>
+                        <a:defRPr/>
+                      </a:pPr>
+                      <a:r>
+                        <a:rPr lang="hu-HU">
+                          <a:solidFill>
+                            <a:schemeClr val="tx1"/>
+                          </a:solidFill>
+                        </a:rPr>
+                        <a:t>Hosszútáv (900s)</a:t>
+                      </a:r>
+                      <a:endParaRPr lang="hu-HU">
+                        <a:solidFill>
+                          <a:schemeClr val="tx1"/>
+                        </a:solidFill>
+                      </a:endParaRPr>
+                    </a:p>
+                  </a:txBody>
+                  <a:tcPr vert="horz"/>
+                </a:tc>
+                <a:tc>
+                  <a:txBody>
+                    <a:bodyPr/>
+                    <a:p>
+                      <a:pPr>
+                        <a:defRPr/>
+                      </a:pPr>
+                      <a:r>
+                        <a:rPr lang="sk-SK">
+                          <a:solidFill>
+                            <a:schemeClr val="tx1"/>
+                          </a:solidFill>
+                        </a:rPr>
+                        <a:t>1563</a:t>
+                      </a:r>
+                      <a:endParaRPr lang="hu-HU">
+                        <a:solidFill>
+                          <a:schemeClr val="tx1"/>
+                        </a:solidFill>
+                      </a:endParaRPr>
+                    </a:p>
+                  </a:txBody>
+                  <a:tcPr vert="horz"/>
+                </a:tc>
+                <a:tc>
+                  <a:txBody>
+                    <a:bodyPr/>
+                    <a:p>
+                      <a:pPr>
+                        <a:defRPr/>
+                      </a:pPr>
+                      <a:r>
+                        <a:rPr lang="sk-SK">
+                          <a:solidFill>
+                            <a:schemeClr val="tx1"/>
+                          </a:solidFill>
+                        </a:rPr>
+                        <a:t>1557</a:t>
+                      </a:r>
+                      <a:endParaRPr lang="hu-HU">
+                        <a:solidFill>
+                          <a:schemeClr val="tx1"/>
+                        </a:solidFill>
+                      </a:endParaRPr>
+                    </a:p>
+                  </a:txBody>
+                  <a:tcPr vert="horz"/>
+                </a:tc>
+                <a:tc>
+                  <a:txBody>
+                    <a:bodyPr/>
+                    <a:p>
+                      <a:pPr>
+                        <a:defRPr/>
+                      </a:pPr>
+                      <a:r>
+                        <a:rPr lang="sk-SK">
+                          <a:solidFill>
+                            <a:schemeClr val="tx1"/>
+                          </a:solidFill>
+                        </a:rPr>
+                        <a:t>6</a:t>
+                      </a:r>
+                      <a:endParaRPr lang="hu-HU">
+                        <a:solidFill>
+                          <a:schemeClr val="tx1"/>
+                        </a:solidFill>
+                      </a:endParaRPr>
+                    </a:p>
+                  </a:txBody>
+                  <a:tcPr vert="horz"/>
+                </a:tc>
+                <a:tc>
+                  <a:txBody>
+                    <a:bodyPr/>
+                    <a:p>
+                      <a:pPr>
+                        <a:defRPr/>
+                      </a:pPr>
+                      <a:r>
+                        <a:rPr lang="sk-SK">
+                          <a:solidFill>
+                            <a:schemeClr val="tx1"/>
+                          </a:solidFill>
+                        </a:rPr>
+                        <a:t>~0,39%</a:t>
+                      </a:r>
+                      <a:endParaRPr lang="hu-HU">
+                        <a:solidFill>
+                          <a:schemeClr val="tx1"/>
+                        </a:solidFill>
+                      </a:endParaRPr>
+                    </a:p>
+                  </a:txBody>
+                  <a:tcPr vert="horz"/>
+                </a:tc>
+              </a:tr>
+            </a:tbl>
+          </a:graphicData>
+        </a:graphic>
+      </p:graphicFrame>
+    </p:spTree>
+  </p:cSld>
+  <p:clrMapOvr>
+    <a:masterClrMapping/>
+  </p:clrMapOvr>
+  <mc:AlternateContent xmlns:mc="http://schemas.openxmlformats.org/markup-compatibility/2006">
+    <mc:Choice xmlns:p159="http://schemas.microsoft.com/office/powerpoint/2015/09/main" xmlns:p14="http://schemas.microsoft.com/office/powerpoint/2010/main" Requires="p159">
+      <p:transition p14:dur="2000" advClick="1"/>
+    </mc:Choice>
+    <mc:Fallback>
+      <p:transition advClick="1"/>
+    </mc:Fallback>
+  </mc:AlternateContent>
+</p:sld>
+</file>
+
+<file path=ppt/slides/slide14.xml><?xml version="1.0" encoding="utf-8"?>
+<p:sld xmlns:a="http://schemas.openxmlformats.org/drawingml/2006/main" xmlns:r="http://schemas.openxmlformats.org/officeDocument/2006/relationships" xmlns:p="http://schemas.openxmlformats.org/presentationml/2006/main" xmlns:m="http://schemas.openxmlformats.org/officeDocument/2006/math" xmlns:w="http://schemas.openxmlformats.org/wordprocessingml/2006/main" xmlns:mc="http://schemas.openxmlformats.org/markup-compatibility/2006" showMasterPhAnim="0" showMasterSp="1" show="1">
+  <p:cSld name="">
+    <p:spTree>
+      <p:nvGrpSpPr>
+        <p:cNvPr id="1" name=""/>
+        <p:cNvGrpSpPr/>
+        <p:nvPr/>
+      </p:nvGrpSpPr>
+      <p:grpSpPr bwMode="auto">
+        <a:xfrm>
+          <a:off x="0" y="0"/>
+          <a:ext cx="0" cy="0"/>
+          <a:chOff x="0" y="0"/>
+          <a:chExt cx="0" cy="0"/>
+        </a:xfrm>
+      </p:grpSpPr>
+      <p:sp>
+        <p:nvSpPr>
+          <p:cNvPr id="447911507" name="Title 1"/>
           <p:cNvSpPr>
             <a:spLocks noGrp="1"/>
           </p:cNvSpPr>
@@ -7909,7 +8792,7 @@
       </p:grpSpPr>
       <p:sp>
         <p:nvSpPr>
-          <p:cNvPr id="333613529" name="Title 1"/>
+          <p:cNvPr id="592163928" name="Title 1"/>
           <p:cNvSpPr>
             <a:spLocks noGrp="1"/>
           </p:cNvSpPr>
@@ -7935,7 +8818,7 @@
       </p:sp>
       <p:sp>
         <p:nvSpPr>
-          <p:cNvPr id="331375340" name="Content Placeholder 2"/>
+          <p:cNvPr id="999089866" name="Content Placeholder 2"/>
           <p:cNvSpPr>
             <a:spLocks noGrp="1"/>
           </p:cNvSpPr>
@@ -8037,7 +8920,7 @@
       </p:grpSpPr>
       <p:sp>
         <p:nvSpPr>
-          <p:cNvPr id="1363832567" name="Title 1"/>
+          <p:cNvPr id="1332204150" name="Title 1"/>
           <p:cNvSpPr>
             <a:spLocks noGrp="1"/>
           </p:cNvSpPr>
@@ -8063,7 +8946,7 @@
       </p:sp>
       <p:sp>
         <p:nvSpPr>
-          <p:cNvPr id="1101657424" name="Content Placeholder 2"/>
+          <p:cNvPr id="382726947" name="Content Placeholder 2"/>
           <p:cNvSpPr>
             <a:spLocks noGrp="1"/>
           </p:cNvSpPr>
@@ -8159,7 +9042,7 @@
       </p:grpSpPr>
       <p:sp>
         <p:nvSpPr>
-          <p:cNvPr id="1778326173" name="Title 1"/>
+          <p:cNvPr id="1188829547" name="Title 1"/>
           <p:cNvSpPr>
             <a:spLocks noGrp="1"/>
           </p:cNvSpPr>
@@ -8185,7 +9068,7 @@
       </p:sp>
       <p:sp>
         <p:nvSpPr>
-          <p:cNvPr id="729395432" name="Content Placeholder 2"/>
+          <p:cNvPr id="1338704583" name="Content Placeholder 2"/>
           <p:cNvSpPr>
             <a:spLocks noGrp="1"/>
           </p:cNvSpPr>
@@ -8233,7 +9116,7 @@
       </p:sp>
       <p:pic>
         <p:nvPicPr>
-          <p:cNvPr id="436300485" name=""/>
+          <p:cNvPr id="1196620367" name=""/>
           <p:cNvPicPr>
             <a:picLocks noChangeAspect="1"/>
           </p:cNvPicPr>
@@ -8255,7 +9138,7 @@
       </p:pic>
       <p:pic>
         <p:nvPicPr>
-          <p:cNvPr id="490044796" name=""/>
+          <p:cNvPr id="1386103855" name=""/>
           <p:cNvPicPr>
             <a:picLocks noChangeAspect="1"/>
           </p:cNvPicPr>
@@ -8277,7 +9160,7 @@
       </p:pic>
       <p:pic>
         <p:nvPicPr>
-          <p:cNvPr id="577946858" name=""/>
+          <p:cNvPr id="1856498919" name=""/>
           <p:cNvPicPr>
             <a:picLocks noChangeAspect="1"/>
           </p:cNvPicPr>
@@ -8332,7 +9215,7 @@
       </p:grpSpPr>
       <p:sp>
         <p:nvSpPr>
-          <p:cNvPr id="843199043" name="Title 1"/>
+          <p:cNvPr id="1048942442" name="Title 1"/>
           <p:cNvSpPr>
             <a:spLocks noGrp="1"/>
           </p:cNvSpPr>
@@ -8358,7 +9241,7 @@
       </p:sp>
       <p:sp>
         <p:nvSpPr>
-          <p:cNvPr id="958838844" name="Content Placeholder 2"/>
+          <p:cNvPr id="2026670740" name="Content Placeholder 2"/>
           <p:cNvSpPr>
             <a:spLocks noGrp="1"/>
           </p:cNvSpPr>
@@ -8437,7 +9320,7 @@
       </p:sp>
       <p:pic>
         <p:nvPicPr>
-          <p:cNvPr id="490338354" name=""/>
+          <p:cNvPr id="1048770808" name=""/>
           <p:cNvPicPr>
             <a:picLocks noChangeAspect="1"/>
           </p:cNvPicPr>
@@ -8501,7 +9384,7 @@
       </p:grpSpPr>
       <p:sp>
         <p:nvSpPr>
-          <p:cNvPr id="463950443" name="Title 1"/>
+          <p:cNvPr id="295493421" name="Title 1"/>
           <p:cNvSpPr>
             <a:spLocks noGrp="1"/>
           </p:cNvSpPr>
@@ -8527,7 +9410,7 @@
       </p:sp>
       <p:sp>
         <p:nvSpPr>
-          <p:cNvPr id="1112142247" name="Content Placeholder 2"/>
+          <p:cNvPr id="841185022" name="Content Placeholder 2"/>
           <p:cNvSpPr>
             <a:spLocks noGrp="1"/>
           </p:cNvSpPr>
@@ -8567,7 +9450,7 @@
       </p:sp>
       <p:pic>
         <p:nvPicPr>
-          <p:cNvPr id="945997269" name=""/>
+          <p:cNvPr id="1582804590" name=""/>
           <p:cNvPicPr>
             <a:picLocks noChangeAspect="1"/>
           </p:cNvPicPr>
@@ -8580,7 +9463,7 @@
         <p:spPr bwMode="auto">
           <a:xfrm rot="0" flipH="0" flipV="0">
             <a:off x="6095999" y="3203873"/>
-            <a:ext cx="3418955" cy="3334187"/>
+            <a:ext cx="3418954" cy="3334187"/>
           </a:xfrm>
           <a:prstGeom prst="rect">
             <a:avLst/>
@@ -8593,6 +9476,28 @@
             </a:solidFill>
             <a:prstDash val="solid"/>
           </a:ln>
+        </p:spPr>
+      </p:pic>
+      <p:pic>
+        <p:nvPicPr>
+          <p:cNvPr id="1054173175" name=""/>
+          <p:cNvPicPr>
+            <a:picLocks noChangeAspect="1"/>
+          </p:cNvPicPr>
+          <p:nvPr/>
+        </p:nvPicPr>
+        <p:blipFill rotWithShape="1">
+          <a:blip r:embed="rId4"/>
+          <a:stretch/>
+        </p:blipFill>
+        <p:spPr bwMode="auto">
+          <a:xfrm flipH="0" flipV="0">
+            <a:off x="982930" y="3863183"/>
+            <a:ext cx="2218893" cy="2218893"/>
+          </a:xfrm>
+          <a:prstGeom prst="rect">
+            <a:avLst/>
+          </a:prstGeom>
         </p:spPr>
       </p:pic>
     </p:spTree>
@@ -8630,7 +9535,7 @@
       </p:grpSpPr>
       <p:sp>
         <p:nvSpPr>
-          <p:cNvPr id="1123687536" name="Title 1"/>
+          <p:cNvPr id="710657435" name="Title 1"/>
           <p:cNvSpPr>
             <a:spLocks noGrp="1"/>
           </p:cNvSpPr>
@@ -8656,7 +9561,7 @@
       </p:sp>
       <p:sp>
         <p:nvSpPr>
-          <p:cNvPr id="339151154" name="Content Placeholder 2"/>
+          <p:cNvPr id="313779955" name="Content Placeholder 2"/>
           <p:cNvSpPr>
             <a:spLocks noGrp="1"/>
           </p:cNvSpPr>
@@ -8729,7 +9634,7 @@
       </p:sp>
       <p:pic>
         <p:nvPicPr>
-          <p:cNvPr id="187175486" name=""/>
+          <p:cNvPr id="42209192" name=""/>
           <p:cNvPicPr>
             <a:picLocks noChangeAspect="1"/>
           </p:cNvPicPr>
@@ -8759,7 +9664,7 @@
       </p:pic>
       <p:pic>
         <p:nvPicPr>
-          <p:cNvPr id="1214821232" name=""/>
+          <p:cNvPr id="1278754436" name=""/>
           <p:cNvPicPr>
             <a:picLocks noChangeAspect="1"/>
           </p:cNvPicPr>
@@ -8814,7 +9719,7 @@
       </p:grpSpPr>
       <p:sp>
         <p:nvSpPr>
-          <p:cNvPr id="30139309" name="Title 1"/>
+          <p:cNvPr id="1431921817" name="Title 1"/>
           <p:cNvSpPr>
             <a:spLocks noGrp="1"/>
           </p:cNvSpPr>
@@ -8844,7 +9749,7 @@
       </p:sp>
       <p:sp>
         <p:nvSpPr>
-          <p:cNvPr id="711161482" name="Content Placeholder 2"/>
+          <p:cNvPr id="1274415707" name="Content Placeholder 2"/>
           <p:cNvSpPr>
             <a:spLocks noGrp="1"/>
           </p:cNvSpPr>
@@ -8872,7 +9777,7 @@
       </p:sp>
       <p:pic>
         <p:nvPicPr>
-          <p:cNvPr id="602823385" name=""/>
+          <p:cNvPr id="1767209687" name=""/>
           <p:cNvPicPr>
             <a:picLocks noChangeAspect="1"/>
           </p:cNvPicPr>
@@ -8902,7 +9807,7 @@
       </p:pic>
       <p:pic>
         <p:nvPicPr>
-          <p:cNvPr id="14002516" name=""/>
+          <p:cNvPr id="1672924268" name=""/>
           <p:cNvPicPr>
             <a:picLocks noChangeAspect="1"/>
           </p:cNvPicPr>
@@ -8965,7 +9870,7 @@
       </p:grpSpPr>
       <p:sp>
         <p:nvSpPr>
-          <p:cNvPr id="917190575" name="Title 1"/>
+          <p:cNvPr id="807595499" name="Title 1"/>
           <p:cNvSpPr>
             <a:spLocks noGrp="1"/>
           </p:cNvSpPr>
@@ -8991,7 +9896,7 @@
       </p:sp>
       <p:sp>
         <p:nvSpPr>
-          <p:cNvPr id="1802113846" name="Content Placeholder 2"/>
+          <p:cNvPr id="551532540" name="Content Placeholder 2"/>
           <p:cNvSpPr>
             <a:spLocks noGrp="1"/>
           </p:cNvSpPr>
@@ -9061,7 +9966,7 @@
       </p:sp>
       <p:pic>
         <p:nvPicPr>
-          <p:cNvPr id="538904718" name=""/>
+          <p:cNvPr id="1657655981" name=""/>
           <p:cNvPicPr>
             <a:picLocks noChangeAspect="1"/>
           </p:cNvPicPr>

--- a/Fuzzy rendszerek - prezentáció - Juraj Lukovics.pptx
+++ b/Fuzzy rendszerek - prezentáció - Juraj Lukovics.pptx
@@ -147,7 +147,7 @@
       </p:grpSpPr>
       <p:sp>
         <p:nvSpPr>
-          <p:cNvPr id="1001781932" name="Header Placeholder 1"/>
+          <p:cNvPr id="225261321" name="Header Placeholder 1"/>
           <p:cNvSpPr>
             <a:spLocks noGrp="1"/>
           </p:cNvSpPr>
@@ -181,7 +181,7 @@
       </p:sp>
       <p:sp>
         <p:nvSpPr>
-          <p:cNvPr id="278379054" name="Date Placeholder 2"/>
+          <p:cNvPr id="1734744162" name="Date Placeholder 2"/>
           <p:cNvSpPr>
             <a:spLocks noGrp="1"/>
           </p:cNvSpPr>
@@ -215,7 +215,7 @@
       </p:sp>
       <p:sp>
         <p:nvSpPr>
-          <p:cNvPr id="1315647834" name="Date Placeholder 2"/>
+          <p:cNvPr id="671605697" name="Date Placeholder 2"/>
           <p:cNvSpPr>
             <a:spLocks noGrp="1"/>
           </p:cNvSpPr>
@@ -249,7 +249,7 @@
       </p:sp>
       <p:sp>
         <p:nvSpPr>
-          <p:cNvPr id="1930522575" name="Notes Placeholder 4"/>
+          <p:cNvPr id="1519975151" name="Notes Placeholder 4"/>
           <p:cNvSpPr>
             <a:spLocks noGrp="1"/>
           </p:cNvSpPr>
@@ -279,7 +279,7 @@
       </p:sp>
       <p:sp>
         <p:nvSpPr>
-          <p:cNvPr id="1417157128" name="Footer Placeholder 5"/>
+          <p:cNvPr id="1679507248" name="Footer Placeholder 5"/>
           <p:cNvSpPr>
             <a:spLocks noGrp="1"/>
           </p:cNvSpPr>
@@ -313,7 +313,7 @@
       </p:sp>
       <p:sp>
         <p:nvSpPr>
-          <p:cNvPr id="1499510702" name="Slide Number Placeholder 6"/>
+          <p:cNvPr id="979151309" name="Slide Number Placeholder 6"/>
           <p:cNvSpPr>
             <a:spLocks noGrp="1"/>
           </p:cNvSpPr>
@@ -462,7 +462,7 @@
       </p:grpSpPr>
       <p:sp>
         <p:nvSpPr>
-          <p:cNvPr id="236318563" name="Slide Image Placeholder 1"/>
+          <p:cNvPr id="941650691" name="Slide Image Placeholder 1"/>
           <p:cNvSpPr>
             <a:spLocks noChangeAspect="1" noGrp="1" noRot="1"/>
           </p:cNvSpPr>
@@ -474,7 +474,7 @@
       </p:sp>
       <p:sp>
         <p:nvSpPr>
-          <p:cNvPr id="958831180" name="Notes Placeholder 2"/>
+          <p:cNvPr id="1280853819" name="Notes Placeholder 2"/>
           <p:cNvSpPr>
             <a:spLocks noGrp="1"/>
           </p:cNvSpPr>
@@ -496,7 +496,7 @@
       </p:sp>
       <p:sp>
         <p:nvSpPr>
-          <p:cNvPr id="1211857440" name="Slide Number Placeholder 3"/>
+          <p:cNvPr id="2146192555" name="Slide Number Placeholder 3"/>
           <p:cNvSpPr>
             <a:spLocks noGrp="1"/>
           </p:cNvSpPr>
@@ -547,7 +547,7 @@
       </p:grpSpPr>
       <p:sp>
         <p:nvSpPr>
-          <p:cNvPr id="207679878" name="Slide Image Placeholder 1"/>
+          <p:cNvPr id="867355493" name="Slide Image Placeholder 1"/>
           <p:cNvSpPr>
             <a:spLocks noChangeAspect="1" noGrp="1" noRot="1"/>
           </p:cNvSpPr>
@@ -559,7 +559,7 @@
       </p:sp>
       <p:sp>
         <p:nvSpPr>
-          <p:cNvPr id="1923788762" name="Notes Placeholder 2"/>
+          <p:cNvPr id="736876449" name="Notes Placeholder 2"/>
           <p:cNvSpPr>
             <a:spLocks noGrp="1"/>
           </p:cNvSpPr>
@@ -581,7 +581,7 @@
       </p:sp>
       <p:sp>
         <p:nvSpPr>
-          <p:cNvPr id="450105358" name="Slide Number Placeholder 3"/>
+          <p:cNvPr id="1068415990" name="Slide Number Placeholder 3"/>
           <p:cNvSpPr>
             <a:spLocks noGrp="1"/>
           </p:cNvSpPr>
@@ -632,7 +632,7 @@
       </p:grpSpPr>
       <p:sp>
         <p:nvSpPr>
-          <p:cNvPr id="2019987289" name="Slide Image Placeholder 1"/>
+          <p:cNvPr id="1792874431" name="Slide Image Placeholder 1"/>
           <p:cNvSpPr>
             <a:spLocks noChangeAspect="1" noGrp="1" noRot="1"/>
           </p:cNvSpPr>
@@ -644,7 +644,7 @@
       </p:sp>
       <p:sp>
         <p:nvSpPr>
-          <p:cNvPr id="1697113231" name="Notes Placeholder 2"/>
+          <p:cNvPr id="1469206530" name="Notes Placeholder 2"/>
           <p:cNvSpPr>
             <a:spLocks noGrp="1"/>
           </p:cNvSpPr>
@@ -666,7 +666,7 @@
       </p:sp>
       <p:sp>
         <p:nvSpPr>
-          <p:cNvPr id="998654754" name="Slide Number Placeholder 3"/>
+          <p:cNvPr id="430237393" name="Slide Number Placeholder 3"/>
           <p:cNvSpPr>
             <a:spLocks noGrp="1"/>
           </p:cNvSpPr>
@@ -717,7 +717,7 @@
       </p:grpSpPr>
       <p:sp>
         <p:nvSpPr>
-          <p:cNvPr id="2" name="Slide Image Placeholder 1"/>
+          <p:cNvPr id="1899709577" name="Slide Image Placeholder 1"/>
           <p:cNvSpPr>
             <a:spLocks noChangeAspect="1" noGrp="1" noRot="1"/>
           </p:cNvSpPr>
@@ -729,7 +729,7 @@
       </p:sp>
       <p:sp>
         <p:nvSpPr>
-          <p:cNvPr id="3" name="Notes Placeholder 2"/>
+          <p:cNvPr id="501296420" name="Notes Placeholder 2"/>
           <p:cNvSpPr>
             <a:spLocks noGrp="1"/>
           </p:cNvSpPr>
@@ -751,7 +751,7 @@
       </p:sp>
       <p:sp>
         <p:nvSpPr>
-          <p:cNvPr id="4" name="Slide Number Placeholder 3"/>
+          <p:cNvPr id="1930520442" name="Slide Number Placeholder 3"/>
           <p:cNvSpPr>
             <a:spLocks noGrp="1"/>
           </p:cNvSpPr>
@@ -802,7 +802,7 @@
       </p:grpSpPr>
       <p:sp>
         <p:nvSpPr>
-          <p:cNvPr id="2" name="Slide Image Placeholder 1"/>
+          <p:cNvPr id="616109598" name="Slide Image Placeholder 1"/>
           <p:cNvSpPr>
             <a:spLocks noChangeAspect="1" noGrp="1" noRot="1"/>
           </p:cNvSpPr>
@@ -814,7 +814,7 @@
       </p:sp>
       <p:sp>
         <p:nvSpPr>
-          <p:cNvPr id="3" name="Notes Placeholder 2"/>
+          <p:cNvPr id="61947619" name="Notes Placeholder 2"/>
           <p:cNvSpPr>
             <a:spLocks noGrp="1"/>
           </p:cNvSpPr>
@@ -836,7 +836,7 @@
       </p:sp>
       <p:sp>
         <p:nvSpPr>
-          <p:cNvPr id="4" name="Slide Number Placeholder 3"/>
+          <p:cNvPr id="1695336532" name="Slide Number Placeholder 3"/>
           <p:cNvSpPr>
             <a:spLocks noGrp="1"/>
           </p:cNvSpPr>
@@ -887,7 +887,7 @@
       </p:grpSpPr>
       <p:sp>
         <p:nvSpPr>
-          <p:cNvPr id="453909915" name="Slide Image Placeholder 1"/>
+          <p:cNvPr id="1791588324" name="Slide Image Placeholder 1"/>
           <p:cNvSpPr>
             <a:spLocks noChangeAspect="1" noGrp="1" noRot="1"/>
           </p:cNvSpPr>
@@ -899,7 +899,7 @@
       </p:sp>
       <p:sp>
         <p:nvSpPr>
-          <p:cNvPr id="804990277" name="Notes Placeholder 2"/>
+          <p:cNvPr id="2042127623" name="Notes Placeholder 2"/>
           <p:cNvSpPr>
             <a:spLocks noGrp="1"/>
           </p:cNvSpPr>
@@ -921,7 +921,7 @@
       </p:sp>
       <p:sp>
         <p:nvSpPr>
-          <p:cNvPr id="1692599901" name="Slide Number Placeholder 3"/>
+          <p:cNvPr id="1058418163" name="Slide Number Placeholder 3"/>
           <p:cNvSpPr>
             <a:spLocks noGrp="1"/>
           </p:cNvSpPr>
@@ -972,7 +972,7 @@
       </p:grpSpPr>
       <p:sp>
         <p:nvSpPr>
-          <p:cNvPr id="1838430044" name="Slide Image Placeholder 1"/>
+          <p:cNvPr id="1846770544" name="Slide Image Placeholder 1"/>
           <p:cNvSpPr>
             <a:spLocks noChangeAspect="1" noGrp="1" noRot="1"/>
           </p:cNvSpPr>
@@ -984,7 +984,7 @@
       </p:sp>
       <p:sp>
         <p:nvSpPr>
-          <p:cNvPr id="524177165" name="Notes Placeholder 2"/>
+          <p:cNvPr id="1503379320" name="Notes Placeholder 2"/>
           <p:cNvSpPr>
             <a:spLocks noGrp="1"/>
           </p:cNvSpPr>
@@ -1006,7 +1006,7 @@
       </p:sp>
       <p:sp>
         <p:nvSpPr>
-          <p:cNvPr id="232514335" name="Slide Number Placeholder 3"/>
+          <p:cNvPr id="1647644274" name="Slide Number Placeholder 3"/>
           <p:cNvSpPr>
             <a:spLocks noGrp="1"/>
           </p:cNvSpPr>
@@ -1057,7 +1057,7 @@
       </p:grpSpPr>
       <p:sp>
         <p:nvSpPr>
-          <p:cNvPr id="98464527" name="Slide Image Placeholder 1"/>
+          <p:cNvPr id="2044777955" name="Slide Image Placeholder 1"/>
           <p:cNvSpPr>
             <a:spLocks noChangeAspect="1" noGrp="1" noRot="1"/>
           </p:cNvSpPr>
@@ -1069,7 +1069,7 @@
       </p:sp>
       <p:sp>
         <p:nvSpPr>
-          <p:cNvPr id="531563451" name="Notes Placeholder 2"/>
+          <p:cNvPr id="1734121479" name="Notes Placeholder 2"/>
           <p:cNvSpPr>
             <a:spLocks noGrp="1"/>
           </p:cNvSpPr>
@@ -1091,7 +1091,7 @@
       </p:sp>
       <p:sp>
         <p:nvSpPr>
-          <p:cNvPr id="660008998" name="Slide Number Placeholder 3"/>
+          <p:cNvPr id="1720710223" name="Slide Number Placeholder 3"/>
           <p:cNvSpPr>
             <a:spLocks noGrp="1"/>
           </p:cNvSpPr>
@@ -1142,7 +1142,7 @@
       </p:grpSpPr>
       <p:sp>
         <p:nvSpPr>
-          <p:cNvPr id="1882309155" name="Slide Image Placeholder 1"/>
+          <p:cNvPr id="1283009140" name="Slide Image Placeholder 1"/>
           <p:cNvSpPr>
             <a:spLocks noChangeAspect="1" noGrp="1" noRot="1"/>
           </p:cNvSpPr>
@@ -1154,7 +1154,7 @@
       </p:sp>
       <p:sp>
         <p:nvSpPr>
-          <p:cNvPr id="1288034009" name="Notes Placeholder 2"/>
+          <p:cNvPr id="1034031278" name="Notes Placeholder 2"/>
           <p:cNvSpPr>
             <a:spLocks noGrp="1"/>
           </p:cNvSpPr>
@@ -1176,7 +1176,7 @@
       </p:sp>
       <p:sp>
         <p:nvSpPr>
-          <p:cNvPr id="1833854013" name="Slide Number Placeholder 3"/>
+          <p:cNvPr id="2136219692" name="Slide Number Placeholder 3"/>
           <p:cNvSpPr>
             <a:spLocks noGrp="1"/>
           </p:cNvSpPr>
@@ -1227,7 +1227,7 @@
       </p:grpSpPr>
       <p:sp>
         <p:nvSpPr>
-          <p:cNvPr id="398879820" name="Slide Image Placeholder 1"/>
+          <p:cNvPr id="75115460" name="Slide Image Placeholder 1"/>
           <p:cNvSpPr>
             <a:spLocks noChangeAspect="1" noGrp="1" noRot="1"/>
           </p:cNvSpPr>
@@ -1239,7 +1239,7 @@
       </p:sp>
       <p:sp>
         <p:nvSpPr>
-          <p:cNvPr id="1406953818" name="Notes Placeholder 2"/>
+          <p:cNvPr id="1314867335" name="Notes Placeholder 2"/>
           <p:cNvSpPr>
             <a:spLocks noGrp="1"/>
           </p:cNvSpPr>
@@ -1261,7 +1261,7 @@
       </p:sp>
       <p:sp>
         <p:nvSpPr>
-          <p:cNvPr id="1325981018" name="Slide Number Placeholder 3"/>
+          <p:cNvPr id="1845908027" name="Slide Number Placeholder 3"/>
           <p:cNvSpPr>
             <a:spLocks noGrp="1"/>
           </p:cNvSpPr>
@@ -1312,7 +1312,7 @@
       </p:grpSpPr>
       <p:sp>
         <p:nvSpPr>
-          <p:cNvPr id="1453799981" name="Slide Image Placeholder 1"/>
+          <p:cNvPr id="158213656" name="Slide Image Placeholder 1"/>
           <p:cNvSpPr>
             <a:spLocks noChangeAspect="1" noGrp="1" noRot="1"/>
           </p:cNvSpPr>
@@ -1324,7 +1324,7 @@
       </p:sp>
       <p:sp>
         <p:nvSpPr>
-          <p:cNvPr id="1582906006" name="Notes Placeholder 2"/>
+          <p:cNvPr id="30575498" name="Notes Placeholder 2"/>
           <p:cNvSpPr>
             <a:spLocks noGrp="1"/>
           </p:cNvSpPr>
@@ -1346,7 +1346,7 @@
       </p:sp>
       <p:sp>
         <p:nvSpPr>
-          <p:cNvPr id="1259124667" name="Slide Number Placeholder 3"/>
+          <p:cNvPr id="96683402" name="Slide Number Placeholder 3"/>
           <p:cNvSpPr>
             <a:spLocks noGrp="1"/>
           </p:cNvSpPr>
@@ -1397,7 +1397,7 @@
       </p:grpSpPr>
       <p:sp>
         <p:nvSpPr>
-          <p:cNvPr id="390092835" name="Slide Image Placeholder 1"/>
+          <p:cNvPr id="268806395" name="Slide Image Placeholder 1"/>
           <p:cNvSpPr>
             <a:spLocks noChangeAspect="1" noGrp="1" noRot="1"/>
           </p:cNvSpPr>
@@ -1409,7 +1409,7 @@
       </p:sp>
       <p:sp>
         <p:nvSpPr>
-          <p:cNvPr id="1639879963" name="Notes Placeholder 2"/>
+          <p:cNvPr id="489833709" name="Notes Placeholder 2"/>
           <p:cNvSpPr>
             <a:spLocks noGrp="1"/>
           </p:cNvSpPr>
@@ -1431,7 +1431,7 @@
       </p:sp>
       <p:sp>
         <p:nvSpPr>
-          <p:cNvPr id="1920127285" name="Slide Number Placeholder 3"/>
+          <p:cNvPr id="142507132" name="Slide Number Placeholder 3"/>
           <p:cNvSpPr>
             <a:spLocks noGrp="1"/>
           </p:cNvSpPr>
@@ -1482,7 +1482,7 @@
       </p:grpSpPr>
       <p:sp>
         <p:nvSpPr>
-          <p:cNvPr id="1598620149" name="Slide Image Placeholder 1"/>
+          <p:cNvPr id="1697353239" name="Slide Image Placeholder 1"/>
           <p:cNvSpPr>
             <a:spLocks noChangeAspect="1" noGrp="1" noRot="1"/>
           </p:cNvSpPr>
@@ -1494,7 +1494,7 @@
       </p:sp>
       <p:sp>
         <p:nvSpPr>
-          <p:cNvPr id="2057941576" name="Notes Placeholder 2"/>
+          <p:cNvPr id="221752076" name="Notes Placeholder 2"/>
           <p:cNvSpPr>
             <a:spLocks noGrp="1"/>
           </p:cNvSpPr>
@@ -1516,7 +1516,7 @@
       </p:sp>
       <p:sp>
         <p:nvSpPr>
-          <p:cNvPr id="1541590533" name="Slide Number Placeholder 3"/>
+          <p:cNvPr id="435710434" name="Slide Number Placeholder 3"/>
           <p:cNvSpPr>
             <a:spLocks noGrp="1"/>
           </p:cNvSpPr>
@@ -1567,7 +1567,7 @@
       </p:grpSpPr>
       <p:sp>
         <p:nvSpPr>
-          <p:cNvPr id="2000640426" name="Slide Image Placeholder 1"/>
+          <p:cNvPr id="699986372" name="Slide Image Placeholder 1"/>
           <p:cNvSpPr>
             <a:spLocks noChangeAspect="1" noGrp="1" noRot="1"/>
           </p:cNvSpPr>
@@ -1579,7 +1579,7 @@
       </p:sp>
       <p:sp>
         <p:nvSpPr>
-          <p:cNvPr id="342855645" name="Notes Placeholder 2"/>
+          <p:cNvPr id="499368910" name="Notes Placeholder 2"/>
           <p:cNvSpPr>
             <a:spLocks noGrp="1"/>
           </p:cNvSpPr>
@@ -1601,7 +1601,7 @@
       </p:sp>
       <p:sp>
         <p:nvSpPr>
-          <p:cNvPr id="716330701" name="Slide Number Placeholder 3"/>
+          <p:cNvPr id="1703240329" name="Slide Number Placeholder 3"/>
           <p:cNvSpPr>
             <a:spLocks noGrp="1"/>
           </p:cNvSpPr>
@@ -1652,7 +1652,7 @@
       </p:grpSpPr>
       <p:sp>
         <p:nvSpPr>
-          <p:cNvPr id="2091073016" name="Shape 1058"/>
+          <p:cNvPr id="696351468" name="Shape 1058"/>
           <p:cNvSpPr>
             <a:spLocks noChangeArrowheads="1" noGrp="1"/>
           </p:cNvSpPr>
@@ -1743,7 +1743,7 @@
       </p:sp>
       <p:sp>
         <p:nvSpPr>
-          <p:cNvPr id="1483926488" name="Shape 1102"/>
+          <p:cNvPr id="2143236934" name="Shape 1102"/>
           <p:cNvSpPr>
             <a:spLocks noChangeArrowheads="1" noGrp="1"/>
           </p:cNvSpPr>
@@ -1792,7 +1792,7 @@
       </p:sp>
       <p:sp>
         <p:nvSpPr>
-          <p:cNvPr id="2113187006" name="Text Placeholder 4"/>
+          <p:cNvPr id="415433120" name="Text Placeholder 4"/>
           <p:cNvSpPr>
             <a:spLocks noGrp="1"/>
           </p:cNvSpPr>
@@ -1840,7 +1840,7 @@
       </p:sp>
       <p:sp>
         <p:nvSpPr>
-          <p:cNvPr id="1656764995" name="Title 1"/>
+          <p:cNvPr id="288013659" name="Title 1"/>
           <p:cNvSpPr>
             <a:spLocks noGrp="1"/>
           </p:cNvSpPr>
@@ -1875,7 +1875,7 @@
       </p:sp>
       <p:sp>
         <p:nvSpPr>
-          <p:cNvPr id="914974854" name="Date Placeholder 10"/>
+          <p:cNvPr id="1979101086" name="Date Placeholder 10"/>
           <p:cNvSpPr>
             <a:spLocks noGrp="1"/>
           </p:cNvSpPr>
@@ -1901,7 +1901,7 @@
       </p:sp>
       <p:sp>
         <p:nvSpPr>
-          <p:cNvPr id="1779015824" name="Footer Placeholder 11"/>
+          <p:cNvPr id="307203547" name="Footer Placeholder 11"/>
           <p:cNvSpPr>
             <a:spLocks noGrp="1"/>
           </p:cNvSpPr>
@@ -1923,7 +1923,7 @@
       </p:sp>
       <p:sp>
         <p:nvSpPr>
-          <p:cNvPr id="599580660" name="Slide Number Placeholder 12"/>
+          <p:cNvPr id="808753437" name="Slide Number Placeholder 12"/>
           <p:cNvSpPr>
             <a:spLocks noGrp="1"/>
           </p:cNvSpPr>
@@ -1974,7 +1974,7 @@
       </p:grpSpPr>
       <p:sp>
         <p:nvSpPr>
-          <p:cNvPr id="1100782331" name="Title 1"/>
+          <p:cNvPr id="1332072970" name="Title 1"/>
           <p:cNvSpPr>
             <a:spLocks noGrp="1"/>
           </p:cNvSpPr>
@@ -2000,7 +2000,7 @@
       </p:sp>
       <p:sp>
         <p:nvSpPr>
-          <p:cNvPr id="1068525958" name="Vertical Text Placeholder 2"/>
+          <p:cNvPr id="405827271" name="Vertical Text Placeholder 2"/>
           <p:cNvSpPr>
             <a:spLocks noGrp="1"/>
           </p:cNvSpPr>
@@ -2066,7 +2066,7 @@
       </p:sp>
       <p:sp>
         <p:nvSpPr>
-          <p:cNvPr id="2136988201" name="Date Placeholder 3"/>
+          <p:cNvPr id="748174598" name="Date Placeholder 3"/>
           <p:cNvSpPr>
             <a:spLocks noGrp="1"/>
           </p:cNvSpPr>
@@ -2092,7 +2092,7 @@
       </p:sp>
       <p:sp>
         <p:nvSpPr>
-          <p:cNvPr id="715707466" name="Footer Placeholder 4"/>
+          <p:cNvPr id="505931323" name="Footer Placeholder 4"/>
           <p:cNvSpPr>
             <a:spLocks noGrp="1"/>
           </p:cNvSpPr>
@@ -2114,7 +2114,7 @@
       </p:sp>
       <p:sp>
         <p:nvSpPr>
-          <p:cNvPr id="1685154323" name="Slide Number Placeholder 5"/>
+          <p:cNvPr id="389038329" name="Slide Number Placeholder 5"/>
           <p:cNvSpPr>
             <a:spLocks noGrp="1"/>
           </p:cNvSpPr>
@@ -2165,7 +2165,7 @@
       </p:grpSpPr>
       <p:sp>
         <p:nvSpPr>
-          <p:cNvPr id="1792025122" name="Vertical Title 1"/>
+          <p:cNvPr id="1099555287" name="Vertical Title 1"/>
           <p:cNvSpPr>
             <a:spLocks noGrp="1"/>
           </p:cNvSpPr>
@@ -2196,7 +2196,7 @@
       </p:sp>
       <p:sp>
         <p:nvSpPr>
-          <p:cNvPr id="1458567135" name="Vertical Text Placeholder 2"/>
+          <p:cNvPr id="287853638" name="Vertical Text Placeholder 2"/>
           <p:cNvSpPr>
             <a:spLocks noGrp="1"/>
           </p:cNvSpPr>
@@ -2267,7 +2267,7 @@
       </p:sp>
       <p:sp>
         <p:nvSpPr>
-          <p:cNvPr id="1989589823" name="Date Placeholder 3"/>
+          <p:cNvPr id="2104026317" name="Date Placeholder 3"/>
           <p:cNvSpPr>
             <a:spLocks noGrp="1"/>
           </p:cNvSpPr>
@@ -2293,7 +2293,7 @@
       </p:sp>
       <p:sp>
         <p:nvSpPr>
-          <p:cNvPr id="1947328478" name="Footer Placeholder 4"/>
+          <p:cNvPr id="1627388843" name="Footer Placeholder 4"/>
           <p:cNvSpPr>
             <a:spLocks noGrp="1"/>
           </p:cNvSpPr>
@@ -2315,7 +2315,7 @@
       </p:sp>
       <p:sp>
         <p:nvSpPr>
-          <p:cNvPr id="756062899" name="Slide Number Placeholder 5"/>
+          <p:cNvPr id="385697116" name="Slide Number Placeholder 5"/>
           <p:cNvSpPr>
             <a:spLocks noGrp="1"/>
           </p:cNvSpPr>
@@ -2366,7 +2366,7 @@
       </p:grpSpPr>
       <p:sp>
         <p:nvSpPr>
-          <p:cNvPr id="2004976240" name="Title 1"/>
+          <p:cNvPr id="2007924237" name="Title 1"/>
           <p:cNvSpPr>
             <a:spLocks noGrp="1"/>
           </p:cNvSpPr>
@@ -2392,7 +2392,7 @@
       </p:sp>
       <p:sp>
         <p:nvSpPr>
-          <p:cNvPr id="1975252254" name="Content Placeholder 2"/>
+          <p:cNvPr id="1357851397" name="Content Placeholder 2"/>
           <p:cNvSpPr>
             <a:spLocks noGrp="1"/>
           </p:cNvSpPr>
@@ -2458,7 +2458,7 @@
       </p:sp>
       <p:sp>
         <p:nvSpPr>
-          <p:cNvPr id="1555969194" name="Date Placeholder 3"/>
+          <p:cNvPr id="1038970114" name="Date Placeholder 3"/>
           <p:cNvSpPr>
             <a:spLocks noGrp="1"/>
           </p:cNvSpPr>
@@ -2484,7 +2484,7 @@
       </p:sp>
       <p:sp>
         <p:nvSpPr>
-          <p:cNvPr id="1024947540" name="Footer Placeholder 4"/>
+          <p:cNvPr id="1319557702" name="Footer Placeholder 4"/>
           <p:cNvSpPr>
             <a:spLocks noGrp="1"/>
           </p:cNvSpPr>
@@ -2506,7 +2506,7 @@
       </p:sp>
       <p:sp>
         <p:nvSpPr>
-          <p:cNvPr id="1342142903" name="Slide Number Placeholder 5"/>
+          <p:cNvPr id="934474542" name="Slide Number Placeholder 5"/>
           <p:cNvSpPr>
             <a:spLocks noGrp="1"/>
           </p:cNvSpPr>
@@ -2557,7 +2557,7 @@
       </p:grpSpPr>
       <p:sp>
         <p:nvSpPr>
-          <p:cNvPr id="746219782" name="Title 1"/>
+          <p:cNvPr id="1414028774" name="Title 1"/>
           <p:cNvSpPr>
             <a:spLocks noGrp="1"/>
           </p:cNvSpPr>
@@ -2592,7 +2592,7 @@
       </p:sp>
       <p:sp>
         <p:nvSpPr>
-          <p:cNvPr id="487122434" name="Text Placeholder 2"/>
+          <p:cNvPr id="1534948218" name="Text Placeholder 2"/>
           <p:cNvSpPr>
             <a:spLocks noGrp="1"/>
           </p:cNvSpPr>
@@ -2714,7 +2714,7 @@
       </p:sp>
       <p:sp>
         <p:nvSpPr>
-          <p:cNvPr id="563520684" name="Date Placeholder 3"/>
+          <p:cNvPr id="1194270613" name="Date Placeholder 3"/>
           <p:cNvSpPr>
             <a:spLocks noGrp="1"/>
           </p:cNvSpPr>
@@ -2740,7 +2740,7 @@
       </p:sp>
       <p:sp>
         <p:nvSpPr>
-          <p:cNvPr id="1914444560" name="Footer Placeholder 4"/>
+          <p:cNvPr id="911110664" name="Footer Placeholder 4"/>
           <p:cNvSpPr>
             <a:spLocks noGrp="1"/>
           </p:cNvSpPr>
@@ -2762,7 +2762,7 @@
       </p:sp>
       <p:sp>
         <p:nvSpPr>
-          <p:cNvPr id="1652489385" name="Slide Number Placeholder 5"/>
+          <p:cNvPr id="1852345712" name="Slide Number Placeholder 5"/>
           <p:cNvSpPr>
             <a:spLocks noGrp="1"/>
           </p:cNvSpPr>
@@ -2813,7 +2813,7 @@
       </p:grpSpPr>
       <p:sp>
         <p:nvSpPr>
-          <p:cNvPr id="327051067" name="Content Placeholder 2"/>
+          <p:cNvPr id="793665543" name="Content Placeholder 2"/>
           <p:cNvSpPr>
             <a:spLocks noGrp="1"/>
           </p:cNvSpPr>
@@ -2912,7 +2912,7 @@
       </p:sp>
       <p:sp>
         <p:nvSpPr>
-          <p:cNvPr id="946490634" name="Content Placeholder 3"/>
+          <p:cNvPr id="1127536423" name="Content Placeholder 3"/>
           <p:cNvSpPr>
             <a:spLocks noGrp="1"/>
           </p:cNvSpPr>
@@ -3011,7 +3011,7 @@
       </p:sp>
       <p:sp>
         <p:nvSpPr>
-          <p:cNvPr id="915616563" name="Date Placeholder 4"/>
+          <p:cNvPr id="954056059" name="Date Placeholder 4"/>
           <p:cNvSpPr>
             <a:spLocks noGrp="1"/>
           </p:cNvSpPr>
@@ -3037,7 +3037,7 @@
       </p:sp>
       <p:sp>
         <p:nvSpPr>
-          <p:cNvPr id="1782620268" name="Footer Placeholder 5"/>
+          <p:cNvPr id="1219136727" name="Footer Placeholder 5"/>
           <p:cNvSpPr>
             <a:spLocks noGrp="1"/>
           </p:cNvSpPr>
@@ -3059,7 +3059,7 @@
       </p:sp>
       <p:sp>
         <p:nvSpPr>
-          <p:cNvPr id="509232351" name="Slide Number Placeholder 6"/>
+          <p:cNvPr id="689331916" name="Slide Number Placeholder 6"/>
           <p:cNvSpPr>
             <a:spLocks noGrp="1"/>
           </p:cNvSpPr>
@@ -3085,7 +3085,7 @@
       </p:sp>
       <p:sp>
         <p:nvSpPr>
-          <p:cNvPr id="410675234" name="Title 7"/>
+          <p:cNvPr id="880697876" name="Title 7"/>
           <p:cNvSpPr>
             <a:spLocks noGrp="1"/>
           </p:cNvSpPr>
@@ -3136,7 +3136,7 @@
       </p:grpSpPr>
       <p:sp>
         <p:nvSpPr>
-          <p:cNvPr id="610116755" name="Text Placeholder 2"/>
+          <p:cNvPr id="1608501937" name="Text Placeholder 2"/>
           <p:cNvSpPr>
             <a:spLocks noGrp="1"/>
           </p:cNvSpPr>
@@ -3204,7 +3204,7 @@
       </p:sp>
       <p:sp>
         <p:nvSpPr>
-          <p:cNvPr id="949394759" name="Content Placeholder 3"/>
+          <p:cNvPr id="461821335" name="Content Placeholder 3"/>
           <p:cNvSpPr>
             <a:spLocks noGrp="1"/>
           </p:cNvSpPr>
@@ -3303,7 +3303,7 @@
       </p:sp>
       <p:sp>
         <p:nvSpPr>
-          <p:cNvPr id="1921267156" name="Text Placeholder 4"/>
+          <p:cNvPr id="415148698" name="Text Placeholder 4"/>
           <p:cNvSpPr>
             <a:spLocks noGrp="1"/>
           </p:cNvSpPr>
@@ -3371,7 +3371,7 @@
       </p:sp>
       <p:sp>
         <p:nvSpPr>
-          <p:cNvPr id="1859548724" name="Content Placeholder 5"/>
+          <p:cNvPr id="2046846412" name="Content Placeholder 5"/>
           <p:cNvSpPr>
             <a:spLocks noGrp="1"/>
           </p:cNvSpPr>
@@ -3470,7 +3470,7 @@
       </p:sp>
       <p:sp>
         <p:nvSpPr>
-          <p:cNvPr id="356137259" name="Date Placeholder 6"/>
+          <p:cNvPr id="1362640845" name="Date Placeholder 6"/>
           <p:cNvSpPr>
             <a:spLocks noGrp="1"/>
           </p:cNvSpPr>
@@ -3496,7 +3496,7 @@
       </p:sp>
       <p:sp>
         <p:nvSpPr>
-          <p:cNvPr id="2116435689" name="Footer Placeholder 7"/>
+          <p:cNvPr id="898804824" name="Footer Placeholder 7"/>
           <p:cNvSpPr>
             <a:spLocks noGrp="1"/>
           </p:cNvSpPr>
@@ -3518,7 +3518,7 @@
       </p:sp>
       <p:sp>
         <p:nvSpPr>
-          <p:cNvPr id="1508242066" name="Slide Number Placeholder 8"/>
+          <p:cNvPr id="796384787" name="Slide Number Placeholder 8"/>
           <p:cNvSpPr>
             <a:spLocks noGrp="1"/>
           </p:cNvSpPr>
@@ -3544,7 +3544,7 @@
       </p:sp>
       <p:sp>
         <p:nvSpPr>
-          <p:cNvPr id="1158553728" name="Title 9"/>
+          <p:cNvPr id="1225123326" name="Title 9"/>
           <p:cNvSpPr>
             <a:spLocks noGrp="1"/>
           </p:cNvSpPr>
@@ -3595,7 +3595,7 @@
       </p:grpSpPr>
       <p:sp>
         <p:nvSpPr>
-          <p:cNvPr id="14937050" name="Title 1"/>
+          <p:cNvPr id="1900958515" name="Title 1"/>
           <p:cNvSpPr>
             <a:spLocks noGrp="1"/>
           </p:cNvSpPr>
@@ -3621,7 +3621,7 @@
       </p:sp>
       <p:sp>
         <p:nvSpPr>
-          <p:cNvPr id="1833345354" name="Date Placeholder 2"/>
+          <p:cNvPr id="1431979946" name="Date Placeholder 2"/>
           <p:cNvSpPr>
             <a:spLocks noGrp="1"/>
           </p:cNvSpPr>
@@ -3647,7 +3647,7 @@
       </p:sp>
       <p:sp>
         <p:nvSpPr>
-          <p:cNvPr id="1394910966" name="Footer Placeholder 3"/>
+          <p:cNvPr id="925370439" name="Footer Placeholder 3"/>
           <p:cNvSpPr>
             <a:spLocks noGrp="1"/>
           </p:cNvSpPr>
@@ -3669,7 +3669,7 @@
       </p:sp>
       <p:sp>
         <p:nvSpPr>
-          <p:cNvPr id="1262680539" name="Slide Number Placeholder 4"/>
+          <p:cNvPr id="20154489" name="Slide Number Placeholder 4"/>
           <p:cNvSpPr>
             <a:spLocks noGrp="1"/>
           </p:cNvSpPr>
@@ -3720,7 +3720,7 @@
       </p:grpSpPr>
       <p:sp>
         <p:nvSpPr>
-          <p:cNvPr id="594590113" name="Date Placeholder 1"/>
+          <p:cNvPr id="653850043" name="Date Placeholder 1"/>
           <p:cNvSpPr>
             <a:spLocks noGrp="1"/>
           </p:cNvSpPr>
@@ -3746,7 +3746,7 @@
       </p:sp>
       <p:sp>
         <p:nvSpPr>
-          <p:cNvPr id="1030464306" name="Footer Placeholder 2"/>
+          <p:cNvPr id="1578437169" name="Footer Placeholder 2"/>
           <p:cNvSpPr>
             <a:spLocks noGrp="1"/>
           </p:cNvSpPr>
@@ -3768,7 +3768,7 @@
       </p:sp>
       <p:sp>
         <p:nvSpPr>
-          <p:cNvPr id="565875964" name="Slide Number Placeholder 3"/>
+          <p:cNvPr id="1360386903" name="Slide Number Placeholder 3"/>
           <p:cNvSpPr>
             <a:spLocks noGrp="1"/>
           </p:cNvSpPr>
@@ -3819,7 +3819,7 @@
       </p:grpSpPr>
       <p:sp>
         <p:nvSpPr>
-          <p:cNvPr id="804508271" name="Title 1"/>
+          <p:cNvPr id="1341948489" name="Title 1"/>
           <p:cNvSpPr>
             <a:spLocks noGrp="1"/>
           </p:cNvSpPr>
@@ -3854,7 +3854,7 @@
       </p:sp>
       <p:sp>
         <p:nvSpPr>
-          <p:cNvPr id="2111453923" name="Content Placeholder 2"/>
+          <p:cNvPr id="1822431893" name="Content Placeholder 2"/>
           <p:cNvSpPr>
             <a:spLocks noGrp="1"/>
           </p:cNvSpPr>
@@ -3953,7 +3953,7 @@
       </p:sp>
       <p:sp>
         <p:nvSpPr>
-          <p:cNvPr id="481608579" name="Text Placeholder 3"/>
+          <p:cNvPr id="592039667" name="Text Placeholder 3"/>
           <p:cNvSpPr>
             <a:spLocks noGrp="1"/>
           </p:cNvSpPr>
@@ -4021,7 +4021,7 @@
       </p:sp>
       <p:sp>
         <p:nvSpPr>
-          <p:cNvPr id="1971168682" name="Date Placeholder 4"/>
+          <p:cNvPr id="1341365807" name="Date Placeholder 4"/>
           <p:cNvSpPr>
             <a:spLocks noGrp="1"/>
           </p:cNvSpPr>
@@ -4047,7 +4047,7 @@
       </p:sp>
       <p:sp>
         <p:nvSpPr>
-          <p:cNvPr id="1977106833" name="Footer Placeholder 5"/>
+          <p:cNvPr id="1779893338" name="Footer Placeholder 5"/>
           <p:cNvSpPr>
             <a:spLocks noGrp="1"/>
           </p:cNvSpPr>
@@ -4069,7 +4069,7 @@
       </p:sp>
       <p:sp>
         <p:nvSpPr>
-          <p:cNvPr id="959974512" name="Slide Number Placeholder 6"/>
+          <p:cNvPr id="1601267955" name="Slide Number Placeholder 6"/>
           <p:cNvSpPr>
             <a:spLocks noGrp="1"/>
           </p:cNvSpPr>
@@ -4120,7 +4120,7 @@
       </p:grpSpPr>
       <p:sp>
         <p:nvSpPr>
-          <p:cNvPr id="1032692124" name="Title 1"/>
+          <p:cNvPr id="1550899834" name="Title 1"/>
           <p:cNvSpPr>
             <a:spLocks noGrp="1"/>
           </p:cNvSpPr>
@@ -4155,7 +4155,7 @@
       </p:sp>
       <p:sp>
         <p:nvSpPr>
-          <p:cNvPr id="925648156" name="Picture Placeholder 2"/>
+          <p:cNvPr id="1269613799" name="Picture Placeholder 2"/>
           <p:cNvSpPr>
             <a:spLocks noGrp="1"/>
           </p:cNvSpPr>
@@ -4219,7 +4219,7 @@
       </p:sp>
       <p:sp>
         <p:nvSpPr>
-          <p:cNvPr id="693927561" name="Text Placeholder 3"/>
+          <p:cNvPr id="150399960" name="Text Placeholder 3"/>
           <p:cNvSpPr>
             <a:spLocks noGrp="1"/>
           </p:cNvSpPr>
@@ -4287,7 +4287,7 @@
       </p:sp>
       <p:sp>
         <p:nvSpPr>
-          <p:cNvPr id="848656412" name="Date Placeholder 4"/>
+          <p:cNvPr id="1021679193" name="Date Placeholder 4"/>
           <p:cNvSpPr>
             <a:spLocks noGrp="1"/>
           </p:cNvSpPr>
@@ -4313,7 +4313,7 @@
       </p:sp>
       <p:sp>
         <p:nvSpPr>
-          <p:cNvPr id="1764878194" name="Footer Placeholder 5"/>
+          <p:cNvPr id="504982069" name="Footer Placeholder 5"/>
           <p:cNvSpPr>
             <a:spLocks noGrp="1"/>
           </p:cNvSpPr>
@@ -4335,7 +4335,7 @@
       </p:sp>
       <p:sp>
         <p:nvSpPr>
-          <p:cNvPr id="644095044" name="Slide Number Placeholder 6"/>
+          <p:cNvPr id="618448309" name="Slide Number Placeholder 6"/>
           <p:cNvSpPr>
             <a:spLocks noGrp="1"/>
           </p:cNvSpPr>
@@ -4391,7 +4391,7 @@
       </p:grpSpPr>
       <p:sp>
         <p:nvSpPr>
-          <p:cNvPr id="749738782" name="Shape 1100"/>
+          <p:cNvPr id="541787783" name="Shape 1100"/>
           <p:cNvSpPr>
             <a:spLocks noChangeArrowheads="1" noGrp="1"/>
           </p:cNvSpPr>
@@ -4648,7 +4648,7 @@
       </p:sp>
       <p:sp>
         <p:nvSpPr>
-          <p:cNvPr id="342135229" name="Shape 1103"/>
+          <p:cNvPr id="427424813" name="Shape 1103"/>
           <p:cNvSpPr>
             <a:spLocks noChangeArrowheads="1" noGrp="1"/>
           </p:cNvSpPr>
@@ -4736,7 +4736,7 @@
       </p:sp>
       <p:sp>
         <p:nvSpPr>
-          <p:cNvPr id="754646214" name="Shape 1104"/>
+          <p:cNvPr id="323356428" name="Shape 1104"/>
           <p:cNvSpPr>
             <a:spLocks noChangeArrowheads="1" noGrp="1"/>
           </p:cNvSpPr>
@@ -4824,7 +4824,7 @@
       </p:sp>
       <p:sp>
         <p:nvSpPr>
-          <p:cNvPr id="1100506319" name="Shape 1105"/>
+          <p:cNvPr id="757230377" name="Shape 1105"/>
           <p:cNvSpPr>
             <a:spLocks noChangeArrowheads="1" noGrp="1"/>
           </p:cNvSpPr>
@@ -4912,7 +4912,7 @@
       </p:sp>
       <p:sp>
         <p:nvSpPr>
-          <p:cNvPr id="1747710199" name="Shape 1106"/>
+          <p:cNvPr id="1576786571" name="Shape 1106"/>
           <p:cNvSpPr>
             <a:spLocks noChangeArrowheads="1" noGrp="1"/>
           </p:cNvSpPr>
@@ -5000,7 +5000,7 @@
       </p:sp>
       <p:sp>
         <p:nvSpPr>
-          <p:cNvPr id="18163648" name="Shape 1107"/>
+          <p:cNvPr id="1849846441" name="Shape 1107"/>
           <p:cNvSpPr>
             <a:spLocks noChangeArrowheads="1" noGrp="1"/>
           </p:cNvSpPr>
@@ -5088,7 +5088,7 @@
       </p:sp>
       <p:sp>
         <p:nvSpPr>
-          <p:cNvPr id="105540002" name="Shape 1108"/>
+          <p:cNvPr id="1395348016" name="Shape 1108"/>
           <p:cNvSpPr>
             <a:spLocks noChangeArrowheads="1" noGrp="1"/>
           </p:cNvSpPr>
@@ -5176,7 +5176,7 @@
       </p:sp>
       <p:sp>
         <p:nvSpPr>
-          <p:cNvPr id="1624849731" name="Shape 1109"/>
+          <p:cNvPr id="2032161581" name="Shape 1109"/>
           <p:cNvSpPr>
             <a:spLocks noChangeArrowheads="1" noGrp="1"/>
           </p:cNvSpPr>
@@ -5264,7 +5264,7 @@
       </p:sp>
       <p:sp>
         <p:nvSpPr>
-          <p:cNvPr id="1034178898" name="Shape 1110"/>
+          <p:cNvPr id="155453609" name="Shape 1110"/>
           <p:cNvSpPr>
             <a:spLocks noChangeArrowheads="1" noGrp="1"/>
           </p:cNvSpPr>
@@ -5352,7 +5352,7 @@
       </p:sp>
       <p:sp>
         <p:nvSpPr>
-          <p:cNvPr id="231175160" name="Shape 1111"/>
+          <p:cNvPr id="754775912" name="Shape 1111"/>
           <p:cNvSpPr>
             <a:spLocks noChangeArrowheads="1" noGrp="1"/>
           </p:cNvSpPr>
@@ -5440,7 +5440,7 @@
       </p:sp>
       <p:sp>
         <p:nvSpPr>
-          <p:cNvPr id="164413748" name="Shape 1112"/>
+          <p:cNvPr id="245074602" name="Shape 1112"/>
           <p:cNvSpPr>
             <a:spLocks noChangeArrowheads="1" noGrp="1"/>
           </p:cNvSpPr>
@@ -5528,7 +5528,7 @@
       </p:sp>
       <p:sp>
         <p:nvSpPr>
-          <p:cNvPr id="1189715672" name="Shape 1113"/>
+          <p:cNvPr id="163525381" name="Shape 1113"/>
           <p:cNvSpPr>
             <a:spLocks noChangeArrowheads="1" noGrp="1"/>
           </p:cNvSpPr>
@@ -5616,7 +5616,7 @@
       </p:sp>
       <p:sp>
         <p:nvSpPr>
-          <p:cNvPr id="1395263188" name="Shape 1114"/>
+          <p:cNvPr id="1407257626" name="Shape 1114"/>
           <p:cNvSpPr>
             <a:spLocks noChangeArrowheads="1" noGrp="1"/>
           </p:cNvSpPr>
@@ -5704,7 +5704,7 @@
       </p:sp>
       <p:sp>
         <p:nvSpPr>
-          <p:cNvPr id="1803023669" name="Shape 1115"/>
+          <p:cNvPr id="1362646260" name="Shape 1115"/>
           <p:cNvSpPr>
             <a:spLocks noChangeArrowheads="1" noGrp="1"/>
           </p:cNvSpPr>
@@ -5792,7 +5792,7 @@
       </p:sp>
       <p:sp>
         <p:nvSpPr>
-          <p:cNvPr id="2138418308" name="Shape 1116"/>
+          <p:cNvPr id="1944502339" name="Shape 1116"/>
           <p:cNvSpPr>
             <a:spLocks noChangeArrowheads="1" noGrp="1"/>
           </p:cNvSpPr>
@@ -5880,7 +5880,7 @@
       </p:sp>
       <p:sp>
         <p:nvSpPr>
-          <p:cNvPr id="1336566115" name="Shape 1117"/>
+          <p:cNvPr id="1187117465" name="Shape 1117"/>
           <p:cNvSpPr>
             <a:spLocks noChangeArrowheads="1" noGrp="1"/>
           </p:cNvSpPr>
@@ -5968,7 +5968,7 @@
       </p:sp>
       <p:sp>
         <p:nvSpPr>
-          <p:cNvPr id="1251974320" name="Shape 1118"/>
+          <p:cNvPr id="1130054468" name="Shape 1118"/>
           <p:cNvSpPr>
             <a:spLocks noChangeArrowheads="1" noGrp="1"/>
           </p:cNvSpPr>
@@ -6056,7 +6056,7 @@
       </p:sp>
       <p:sp>
         <p:nvSpPr>
-          <p:cNvPr id="641635161" name="Shape 1119"/>
+          <p:cNvPr id="1687317676" name="Shape 1119"/>
           <p:cNvSpPr>
             <a:spLocks noChangeArrowheads="1" noGrp="1"/>
           </p:cNvSpPr>
@@ -6144,7 +6144,7 @@
       </p:sp>
       <p:sp>
         <p:nvSpPr>
-          <p:cNvPr id="1587902643" name="Shape 1120"/>
+          <p:cNvPr id="1634317245" name="Shape 1120"/>
           <p:cNvSpPr>
             <a:spLocks noChangeArrowheads="1" noGrp="1"/>
           </p:cNvSpPr>
@@ -6219,7 +6219,7 @@
       </p:sp>
       <p:sp>
         <p:nvSpPr>
-          <p:cNvPr id="997901126" name="Shape 1121"/>
+          <p:cNvPr id="1494899389" name="Shape 1121"/>
           <p:cNvSpPr>
             <a:spLocks noChangeArrowheads="1" noGrp="1"/>
           </p:cNvSpPr>
@@ -6294,7 +6294,7 @@
       </p:sp>
       <p:sp>
         <p:nvSpPr>
-          <p:cNvPr id="93414969" name="Shape 1124"/>
+          <p:cNvPr id="1168846979" name="Shape 1124"/>
           <p:cNvSpPr>
             <a:spLocks noChangeArrowheads="1" noGrp="1"/>
           </p:cNvSpPr>
@@ -6369,7 +6369,7 @@
       </p:sp>
       <p:sp>
         <p:nvSpPr>
-          <p:cNvPr id="1819735184" name="Shape 1125"/>
+          <p:cNvPr id="351599816" name="Shape 1125"/>
           <p:cNvSpPr>
             <a:spLocks noChangeArrowheads="1" noGrp="1"/>
           </p:cNvSpPr>
@@ -6444,7 +6444,7 @@
       </p:sp>
       <p:sp>
         <p:nvSpPr>
-          <p:cNvPr id="717169838" name="Shape 1138"/>
+          <p:cNvPr id="324483717" name="Shape 1138"/>
           <p:cNvSpPr>
             <a:spLocks noChangeArrowheads="1" noGrp="1"/>
           </p:cNvSpPr>
@@ -6519,7 +6519,7 @@
       </p:sp>
       <p:sp>
         <p:nvSpPr>
-          <p:cNvPr id="231534092" name="Shape 1139"/>
+          <p:cNvPr id="270114284" name="Shape 1139"/>
           <p:cNvSpPr>
             <a:spLocks noChangeArrowheads="1" noGrp="1"/>
           </p:cNvSpPr>
@@ -6594,7 +6594,7 @@
       </p:sp>
       <p:sp>
         <p:nvSpPr>
-          <p:cNvPr id="1100047428" name="Shape 1140"/>
+          <p:cNvPr id="858750565" name="Shape 1140"/>
           <p:cNvSpPr>
             <a:spLocks noChangeArrowheads="1" noGrp="1"/>
           </p:cNvSpPr>
@@ -6669,7 +6669,7 @@
       </p:sp>
       <p:sp>
         <p:nvSpPr>
-          <p:cNvPr id="691143254" name="Shape 1141"/>
+          <p:cNvPr id="1712737652" name="Shape 1141"/>
           <p:cNvSpPr>
             <a:spLocks noChangeArrowheads="1" noGrp="1"/>
           </p:cNvSpPr>
@@ -6744,7 +6744,7 @@
       </p:sp>
       <p:sp>
         <p:nvSpPr>
-          <p:cNvPr id="396779246" name="Shape 1142"/>
+          <p:cNvPr id="98636449" name="Shape 1142"/>
           <p:cNvSpPr>
             <a:spLocks noChangeArrowheads="1" noGrp="1"/>
           </p:cNvSpPr>
@@ -6819,7 +6819,7 @@
       </p:sp>
       <p:sp>
         <p:nvSpPr>
-          <p:cNvPr id="1472021172" name="Shape 1143"/>
+          <p:cNvPr id="660053424" name="Shape 1143"/>
           <p:cNvSpPr>
             <a:spLocks noChangeArrowheads="1" noGrp="1"/>
           </p:cNvSpPr>
@@ -6894,7 +6894,7 @@
       </p:sp>
       <p:sp>
         <p:nvSpPr>
-          <p:cNvPr id="562381122" name="Shape 1144"/>
+          <p:cNvPr id="2061870095" name="Shape 1144"/>
           <p:cNvSpPr>
             <a:spLocks noChangeArrowheads="1" noGrp="1"/>
           </p:cNvSpPr>
@@ -6969,7 +6969,7 @@
       </p:sp>
       <p:sp>
         <p:nvSpPr>
-          <p:cNvPr id="495472282" name="Shape 1147"/>
+          <p:cNvPr id="441105295" name="Shape 1147"/>
           <p:cNvSpPr>
             <a:spLocks noChangeArrowheads="1" noGrp="1"/>
           </p:cNvSpPr>
@@ -7044,7 +7044,7 @@
       </p:sp>
       <p:sp>
         <p:nvSpPr>
-          <p:cNvPr id="1646140692" name="Shape 1148"/>
+          <p:cNvPr id="142777106" name="Shape 1148"/>
           <p:cNvSpPr>
             <a:spLocks noChangeArrowheads="1" noGrp="1"/>
           </p:cNvSpPr>
@@ -7119,7 +7119,7 @@
       </p:sp>
       <p:sp>
         <p:nvSpPr>
-          <p:cNvPr id="116207785" name="Text Placeholder 2"/>
+          <p:cNvPr id="249025536" name="Text Placeholder 2"/>
           <p:cNvSpPr>
             <a:spLocks noGrp="1"/>
           </p:cNvSpPr>
@@ -7195,7 +7195,7 @@
       </p:sp>
       <p:sp>
         <p:nvSpPr>
-          <p:cNvPr id="1858736136" name="Date Placeholder 3"/>
+          <p:cNvPr id="487345243" name="Date Placeholder 3"/>
           <p:cNvSpPr>
             <a:spLocks noGrp="1"/>
           </p:cNvSpPr>
@@ -7240,7 +7240,7 @@
       </p:sp>
       <p:sp>
         <p:nvSpPr>
-          <p:cNvPr id="68155139" name="Footer Placeholder 4"/>
+          <p:cNvPr id="20057227" name="Footer Placeholder 4"/>
           <p:cNvSpPr>
             <a:spLocks noGrp="1"/>
           </p:cNvSpPr>
@@ -7281,7 +7281,7 @@
       </p:sp>
       <p:sp>
         <p:nvSpPr>
-          <p:cNvPr id="1889739482" name="Title 1"/>
+          <p:cNvPr id="39253474" name="Title 1"/>
           <p:cNvSpPr>
             <a:spLocks noGrp="1"/>
           </p:cNvSpPr>
@@ -7317,7 +7317,7 @@
       </p:sp>
       <p:sp>
         <p:nvSpPr>
-          <p:cNvPr id="836466145" name="Slide Number Placeholder 5"/>
+          <p:cNvPr id="745275467" name="Slide Number Placeholder 5"/>
           <p:cNvSpPr>
             <a:spLocks noGrp="1"/>
           </p:cNvSpPr>
@@ -7660,7 +7660,7 @@
       </p:grpSpPr>
       <p:sp>
         <p:nvSpPr>
-          <p:cNvPr id="536308500" name="Cím 1"/>
+          <p:cNvPr id="1165454040" name="Cím 1"/>
           <p:cNvSpPr>
             <a:spLocks noGrp="1"/>
           </p:cNvSpPr>
@@ -7702,7 +7702,7 @@
       </p:sp>
       <p:sp>
         <p:nvSpPr>
-          <p:cNvPr id="899745080" name="Alcím 2"/>
+          <p:cNvPr id="1520907202" name="Alcím 2"/>
           <p:cNvSpPr>
             <a:spLocks noGrp="1"/>
           </p:cNvSpPr>
@@ -7791,7 +7791,7 @@
       </p:grpSpPr>
       <p:sp>
         <p:nvSpPr>
-          <p:cNvPr id="2095079758" name="Title 1"/>
+          <p:cNvPr id="550446173" name="Title 1"/>
           <p:cNvSpPr>
             <a:spLocks noGrp="1"/>
           </p:cNvSpPr>
@@ -7817,7 +7817,7 @@
       </p:sp>
       <p:sp>
         <p:nvSpPr>
-          <p:cNvPr id="1732447148" name="Content Placeholder 2"/>
+          <p:cNvPr id="1910976025" name="Content Placeholder 2"/>
           <p:cNvSpPr>
             <a:spLocks noGrp="1"/>
           </p:cNvSpPr>
@@ -7853,7 +7853,7 @@
       </p:sp>
       <p:pic>
         <p:nvPicPr>
-          <p:cNvPr id="614839763" name=""/>
+          <p:cNvPr id="876957194" name=""/>
           <p:cNvPicPr>
             <a:picLocks noChangeAspect="1"/>
           </p:cNvPicPr>
@@ -7908,7 +7908,7 @@
       </p:grpSpPr>
       <p:sp>
         <p:nvSpPr>
-          <p:cNvPr id="254664092" name="Title 1"/>
+          <p:cNvPr id="2012286915" name="Title 1"/>
           <p:cNvSpPr>
             <a:spLocks noGrp="1"/>
           </p:cNvSpPr>
@@ -7938,7 +7938,7 @@
       </p:sp>
       <p:sp>
         <p:nvSpPr>
-          <p:cNvPr id="1949352816" name="Content Placeholder 2"/>
+          <p:cNvPr id="598042522" name="Content Placeholder 2"/>
           <p:cNvSpPr>
             <a:spLocks noGrp="1"/>
           </p:cNvSpPr>
@@ -7966,7 +7966,7 @@
       </p:sp>
       <p:pic>
         <p:nvPicPr>
-          <p:cNvPr id="441727991" name=""/>
+          <p:cNvPr id="1179194073" name=""/>
           <p:cNvPicPr>
             <a:picLocks noChangeAspect="1"/>
           </p:cNvPicPr>
@@ -7978,8 +7978,8 @@
         </p:blipFill>
         <p:spPr bwMode="auto">
           <a:xfrm>
-            <a:off x="1211119" y="1360713"/>
-            <a:ext cx="9753599" cy="5324474"/>
+            <a:off x="1195882" y="1286671"/>
+            <a:ext cx="9772649" cy="5153024"/>
           </a:xfrm>
           <a:prstGeom prst="rect">
             <a:avLst/>
@@ -8021,7 +8021,7 @@
       </p:grpSpPr>
       <p:sp>
         <p:nvSpPr>
-          <p:cNvPr id="699945689" name="Title 1"/>
+          <p:cNvPr id="1287469485" name="Title 1"/>
           <p:cNvSpPr>
             <a:spLocks noGrp="1"/>
           </p:cNvSpPr>
@@ -8049,7 +8049,7 @@
       </p:sp>
       <p:sp>
         <p:nvSpPr>
-          <p:cNvPr id="1238801419" name="Content Placeholder 2"/>
+          <p:cNvPr id="447874985" name="Content Placeholder 2"/>
           <p:cNvSpPr>
             <a:spLocks noGrp="1"/>
           </p:cNvSpPr>
@@ -8077,7 +8077,7 @@
       </p:sp>
       <p:pic>
         <p:nvPicPr>
-          <p:cNvPr id="1689255114" name=""/>
+          <p:cNvPr id="1163955897" name=""/>
           <p:cNvPicPr>
             <a:picLocks noChangeAspect="1"/>
           </p:cNvPicPr>
@@ -8132,7 +8132,7 @@
       </p:grpSpPr>
       <p:sp>
         <p:nvSpPr>
-          <p:cNvPr id="1703386115" name="Title 1"/>
+          <p:cNvPr id="3967333" name="Title 1"/>
           <p:cNvSpPr>
             <a:spLocks noGrp="1"/>
           </p:cNvSpPr>
@@ -8158,7 +8158,7 @@
       </p:sp>
       <p:sp>
         <p:nvSpPr>
-          <p:cNvPr id="740769786" name="Content Placeholder 2"/>
+          <p:cNvPr id="821555546" name="Content Placeholder 2"/>
           <p:cNvSpPr>
             <a:spLocks noGrp="1"/>
           </p:cNvSpPr>
@@ -8186,13 +8186,13 @@
       </p:sp>
       <p:graphicFrame>
         <p:nvGraphicFramePr>
-          <p:cNvPr id="1941400870" name=""/>
+          <p:cNvPr id="1708289144" name=""/>
           <p:cNvGraphicFramePr>
             <a:graphicFrameLocks xmlns:a="http://schemas.openxmlformats.org/drawingml/2006/main"/>
           </p:cNvGraphicFramePr>
           <p:nvPr/>
         </p:nvGraphicFramePr>
-        <p:xfrm>
+        <p:xfrm rot="0">
           <a:off x="787828" y="1642463"/>
           <a:ext cx="8408275" cy="1076870"/>
         </p:xfrm>
@@ -8728,7 +8728,7 @@
       </p:grpSpPr>
       <p:sp>
         <p:nvSpPr>
-          <p:cNvPr id="447911507" name="Title 1"/>
+          <p:cNvPr id="457514691" name="Title 1"/>
           <p:cNvSpPr>
             <a:spLocks noGrp="1"/>
           </p:cNvSpPr>
@@ -8792,7 +8792,7 @@
       </p:grpSpPr>
       <p:sp>
         <p:nvSpPr>
-          <p:cNvPr id="592163928" name="Title 1"/>
+          <p:cNvPr id="991019124" name="Title 1"/>
           <p:cNvSpPr>
             <a:spLocks noGrp="1"/>
           </p:cNvSpPr>
@@ -8818,7 +8818,7 @@
       </p:sp>
       <p:sp>
         <p:nvSpPr>
-          <p:cNvPr id="999089866" name="Content Placeholder 2"/>
+          <p:cNvPr id="273280488" name="Content Placeholder 2"/>
           <p:cNvSpPr>
             <a:spLocks noGrp="1"/>
           </p:cNvSpPr>
@@ -8920,7 +8920,7 @@
       </p:grpSpPr>
       <p:sp>
         <p:nvSpPr>
-          <p:cNvPr id="1332204150" name="Title 1"/>
+          <p:cNvPr id="467110499" name="Title 1"/>
           <p:cNvSpPr>
             <a:spLocks noGrp="1"/>
           </p:cNvSpPr>
@@ -8946,7 +8946,7 @@
       </p:sp>
       <p:sp>
         <p:nvSpPr>
-          <p:cNvPr id="382726947" name="Content Placeholder 2"/>
+          <p:cNvPr id="721590485" name="Content Placeholder 2"/>
           <p:cNvSpPr>
             <a:spLocks noGrp="1"/>
           </p:cNvSpPr>
@@ -9042,7 +9042,7 @@
       </p:grpSpPr>
       <p:sp>
         <p:nvSpPr>
-          <p:cNvPr id="1188829547" name="Title 1"/>
+          <p:cNvPr id="1001782584" name="Title 1"/>
           <p:cNvSpPr>
             <a:spLocks noGrp="1"/>
           </p:cNvSpPr>
@@ -9068,7 +9068,7 @@
       </p:sp>
       <p:sp>
         <p:nvSpPr>
-          <p:cNvPr id="1338704583" name="Content Placeholder 2"/>
+          <p:cNvPr id="971195569" name="Content Placeholder 2"/>
           <p:cNvSpPr>
             <a:spLocks noGrp="1"/>
           </p:cNvSpPr>
@@ -9116,7 +9116,7 @@
       </p:sp>
       <p:pic>
         <p:nvPicPr>
-          <p:cNvPr id="1196620367" name=""/>
+          <p:cNvPr id="1694210220" name=""/>
           <p:cNvPicPr>
             <a:picLocks noChangeAspect="1"/>
           </p:cNvPicPr>
@@ -9138,7 +9138,7 @@
       </p:pic>
       <p:pic>
         <p:nvPicPr>
-          <p:cNvPr id="1386103855" name=""/>
+          <p:cNvPr id="1616356375" name=""/>
           <p:cNvPicPr>
             <a:picLocks noChangeAspect="1"/>
           </p:cNvPicPr>
@@ -9160,7 +9160,7 @@
       </p:pic>
       <p:pic>
         <p:nvPicPr>
-          <p:cNvPr id="1856498919" name=""/>
+          <p:cNvPr id="425508810" name=""/>
           <p:cNvPicPr>
             <a:picLocks noChangeAspect="1"/>
           </p:cNvPicPr>
@@ -9215,7 +9215,7 @@
       </p:grpSpPr>
       <p:sp>
         <p:nvSpPr>
-          <p:cNvPr id="1048942442" name="Title 1"/>
+          <p:cNvPr id="862529328" name="Title 1"/>
           <p:cNvSpPr>
             <a:spLocks noGrp="1"/>
           </p:cNvSpPr>
@@ -9241,7 +9241,7 @@
       </p:sp>
       <p:sp>
         <p:nvSpPr>
-          <p:cNvPr id="2026670740" name="Content Placeholder 2"/>
+          <p:cNvPr id="962862104" name="Content Placeholder 2"/>
           <p:cNvSpPr>
             <a:spLocks noGrp="1"/>
           </p:cNvSpPr>
@@ -9261,7 +9261,7 @@
             </a:pPr>
             <a:r>
               <a:rPr lang="sk-SK"/>
-              <a:t>A járművek sorban állnak, egy-egy út kapacitását a RoadCapacity1, </a:t>
+              <a:t>A járművek sorban állnak, az utak kapacitását a RoadCapacity1, </a:t>
             </a:r>
             <a:r>
               <a:rPr lang="sk-SK" sz="3200" b="0" i="0" u="none" strike="noStrike" cap="none" spc="0">
@@ -9320,7 +9320,7 @@
       </p:sp>
       <p:pic>
         <p:nvPicPr>
-          <p:cNvPr id="1048770808" name=""/>
+          <p:cNvPr id="1598555498" name=""/>
           <p:cNvPicPr>
             <a:picLocks noChangeAspect="1"/>
           </p:cNvPicPr>
@@ -9332,8 +9332,8 @@
         </p:blipFill>
         <p:spPr bwMode="auto">
           <a:xfrm rot="0" flipH="0" flipV="0">
-            <a:off x="3201024" y="3296169"/>
-            <a:ext cx="5439069" cy="3296169"/>
+            <a:off x="3201023" y="3296168"/>
+            <a:ext cx="5622910" cy="3407580"/>
           </a:xfrm>
           <a:prstGeom prst="rect">
             <a:avLst/>
@@ -9384,7 +9384,7 @@
       </p:grpSpPr>
       <p:sp>
         <p:nvSpPr>
-          <p:cNvPr id="295493421" name="Title 1"/>
+          <p:cNvPr id="343860755" name="Title 1"/>
           <p:cNvSpPr>
             <a:spLocks noGrp="1"/>
           </p:cNvSpPr>
@@ -9410,7 +9410,7 @@
       </p:sp>
       <p:sp>
         <p:nvSpPr>
-          <p:cNvPr id="841185022" name="Content Placeholder 2"/>
+          <p:cNvPr id="532293416" name="Content Placeholder 2"/>
           <p:cNvSpPr>
             <a:spLocks noGrp="1"/>
           </p:cNvSpPr>
@@ -9450,7 +9450,7 @@
       </p:sp>
       <p:pic>
         <p:nvPicPr>
-          <p:cNvPr id="1582804590" name=""/>
+          <p:cNvPr id="1841442539" name=""/>
           <p:cNvPicPr>
             <a:picLocks noChangeAspect="1"/>
           </p:cNvPicPr>
@@ -9480,7 +9480,7 @@
       </p:pic>
       <p:pic>
         <p:nvPicPr>
-          <p:cNvPr id="1054173175" name=""/>
+          <p:cNvPr id="1537106588" name=""/>
           <p:cNvPicPr>
             <a:picLocks noChangeAspect="1"/>
           </p:cNvPicPr>
@@ -9535,7 +9535,7 @@
       </p:grpSpPr>
       <p:sp>
         <p:nvSpPr>
-          <p:cNvPr id="710657435" name="Title 1"/>
+          <p:cNvPr id="1994828816" name="Title 1"/>
           <p:cNvSpPr>
             <a:spLocks noGrp="1"/>
           </p:cNvSpPr>
@@ -9561,7 +9561,7 @@
       </p:sp>
       <p:sp>
         <p:nvSpPr>
-          <p:cNvPr id="313779955" name="Content Placeholder 2"/>
+          <p:cNvPr id="97889518" name="Content Placeholder 2"/>
           <p:cNvSpPr>
             <a:spLocks noGrp="1"/>
           </p:cNvSpPr>
@@ -9634,7 +9634,7 @@
       </p:sp>
       <p:pic>
         <p:nvPicPr>
-          <p:cNvPr id="42209192" name=""/>
+          <p:cNvPr id="589998457" name=""/>
           <p:cNvPicPr>
             <a:picLocks noChangeAspect="1"/>
           </p:cNvPicPr>
@@ -9664,7 +9664,7 @@
       </p:pic>
       <p:pic>
         <p:nvPicPr>
-          <p:cNvPr id="1278754436" name=""/>
+          <p:cNvPr id="1153008513" name=""/>
           <p:cNvPicPr>
             <a:picLocks noChangeAspect="1"/>
           </p:cNvPicPr>
@@ -9675,9 +9675,9 @@
           <a:stretch/>
         </p:blipFill>
         <p:spPr bwMode="auto">
-          <a:xfrm>
-            <a:off x="1061357" y="4697416"/>
-            <a:ext cx="4933949" cy="1428750"/>
+          <a:xfrm flipH="0" flipV="0">
+            <a:off x="787828" y="4603749"/>
+            <a:ext cx="4081499" cy="2101280"/>
           </a:xfrm>
           <a:prstGeom prst="rect">
             <a:avLst/>
@@ -9719,7 +9719,7 @@
       </p:grpSpPr>
       <p:sp>
         <p:nvSpPr>
-          <p:cNvPr id="1431921817" name="Title 1"/>
+          <p:cNvPr id="471328127" name="Title 1"/>
           <p:cNvSpPr>
             <a:spLocks noGrp="1"/>
           </p:cNvSpPr>
@@ -9749,7 +9749,7 @@
       </p:sp>
       <p:sp>
         <p:nvSpPr>
-          <p:cNvPr id="1274415707" name="Content Placeholder 2"/>
+          <p:cNvPr id="1721349567" name="Content Placeholder 2"/>
           <p:cNvSpPr>
             <a:spLocks noGrp="1"/>
           </p:cNvSpPr>
@@ -9777,7 +9777,7 @@
       </p:sp>
       <p:pic>
         <p:nvPicPr>
-          <p:cNvPr id="1767209687" name=""/>
+          <p:cNvPr id="778826911" name=""/>
           <p:cNvPicPr>
             <a:picLocks noChangeAspect="1"/>
           </p:cNvPicPr>
@@ -9807,7 +9807,7 @@
       </p:pic>
       <p:pic>
         <p:nvPicPr>
-          <p:cNvPr id="1672924268" name=""/>
+          <p:cNvPr id="1648450595" name=""/>
           <p:cNvPicPr>
             <a:picLocks noChangeAspect="1"/>
           </p:cNvPicPr>
@@ -9870,7 +9870,7 @@
       </p:grpSpPr>
       <p:sp>
         <p:nvSpPr>
-          <p:cNvPr id="807595499" name="Title 1"/>
+          <p:cNvPr id="180370917" name="Title 1"/>
           <p:cNvSpPr>
             <a:spLocks noGrp="1"/>
           </p:cNvSpPr>
@@ -9896,7 +9896,7 @@
       </p:sp>
       <p:sp>
         <p:nvSpPr>
-          <p:cNvPr id="551532540" name="Content Placeholder 2"/>
+          <p:cNvPr id="1404605390" name="Content Placeholder 2"/>
           <p:cNvSpPr>
             <a:spLocks noGrp="1"/>
           </p:cNvSpPr>
@@ -9966,7 +9966,7 @@
       </p:sp>
       <p:pic>
         <p:nvPicPr>
-          <p:cNvPr id="1657655981" name=""/>
+          <p:cNvPr id="1112127393" name=""/>
           <p:cNvPicPr>
             <a:picLocks noChangeAspect="1"/>
           </p:cNvPicPr>
